--- a/_posts/Vivado入门/Vivado入门.pptx
+++ b/_posts/Vivado入门/Vivado入门.pptx
@@ -8,6 +8,7 @@
     <p:sldId id="256" r:id="rId2"/>
     <p:sldId id="257" r:id="rId3"/>
     <p:sldId id="258" r:id="rId4"/>
+    <p:sldId id="259" r:id="rId5"/>
   </p:sldIdLst>
   <p:sldSz cx="12192000" cy="6858000"/>
   <p:notesSz cx="6858000" cy="9144000"/>
@@ -261,7 +262,7 @@
           <a:p>
             <a:fld id="{5F911BC3-F3E0-4B8D-9B45-4D8AFAB6869E}" type="datetimeFigureOut">
               <a:rPr lang="zh-CN" altLang="en-US" smtClean="0"/>
-              <a:t>2020/10/12</a:t>
+              <a:t>2020/10/13</a:t>
             </a:fld>
             <a:endParaRPr lang="zh-CN" altLang="en-US"/>
           </a:p>
@@ -459,7 +460,7 @@
           <a:p>
             <a:fld id="{5F911BC3-F3E0-4B8D-9B45-4D8AFAB6869E}" type="datetimeFigureOut">
               <a:rPr lang="zh-CN" altLang="en-US" smtClean="0"/>
-              <a:t>2020/10/12</a:t>
+              <a:t>2020/10/13</a:t>
             </a:fld>
             <a:endParaRPr lang="zh-CN" altLang="en-US"/>
           </a:p>
@@ -667,7 +668,7 @@
           <a:p>
             <a:fld id="{5F911BC3-F3E0-4B8D-9B45-4D8AFAB6869E}" type="datetimeFigureOut">
               <a:rPr lang="zh-CN" altLang="en-US" smtClean="0"/>
-              <a:t>2020/10/12</a:t>
+              <a:t>2020/10/13</a:t>
             </a:fld>
             <a:endParaRPr lang="zh-CN" altLang="en-US"/>
           </a:p>
@@ -865,7 +866,7 @@
           <a:p>
             <a:fld id="{5F911BC3-F3E0-4B8D-9B45-4D8AFAB6869E}" type="datetimeFigureOut">
               <a:rPr lang="zh-CN" altLang="en-US" smtClean="0"/>
-              <a:t>2020/10/12</a:t>
+              <a:t>2020/10/13</a:t>
             </a:fld>
             <a:endParaRPr lang="zh-CN" altLang="en-US"/>
           </a:p>
@@ -1140,7 +1141,7 @@
           <a:p>
             <a:fld id="{5F911BC3-F3E0-4B8D-9B45-4D8AFAB6869E}" type="datetimeFigureOut">
               <a:rPr lang="zh-CN" altLang="en-US" smtClean="0"/>
-              <a:t>2020/10/12</a:t>
+              <a:t>2020/10/13</a:t>
             </a:fld>
             <a:endParaRPr lang="zh-CN" altLang="en-US"/>
           </a:p>
@@ -1405,7 +1406,7 @@
           <a:p>
             <a:fld id="{5F911BC3-F3E0-4B8D-9B45-4D8AFAB6869E}" type="datetimeFigureOut">
               <a:rPr lang="zh-CN" altLang="en-US" smtClean="0"/>
-              <a:t>2020/10/12</a:t>
+              <a:t>2020/10/13</a:t>
             </a:fld>
             <a:endParaRPr lang="zh-CN" altLang="en-US"/>
           </a:p>
@@ -1817,7 +1818,7 @@
           <a:p>
             <a:fld id="{5F911BC3-F3E0-4B8D-9B45-4D8AFAB6869E}" type="datetimeFigureOut">
               <a:rPr lang="zh-CN" altLang="en-US" smtClean="0"/>
-              <a:t>2020/10/12</a:t>
+              <a:t>2020/10/13</a:t>
             </a:fld>
             <a:endParaRPr lang="zh-CN" altLang="en-US"/>
           </a:p>
@@ -1958,7 +1959,7 @@
           <a:p>
             <a:fld id="{5F911BC3-F3E0-4B8D-9B45-4D8AFAB6869E}" type="datetimeFigureOut">
               <a:rPr lang="zh-CN" altLang="en-US" smtClean="0"/>
-              <a:t>2020/10/12</a:t>
+              <a:t>2020/10/13</a:t>
             </a:fld>
             <a:endParaRPr lang="zh-CN" altLang="en-US"/>
           </a:p>
@@ -2071,7 +2072,7 @@
           <a:p>
             <a:fld id="{5F911BC3-F3E0-4B8D-9B45-4D8AFAB6869E}" type="datetimeFigureOut">
               <a:rPr lang="zh-CN" altLang="en-US" smtClean="0"/>
-              <a:t>2020/10/12</a:t>
+              <a:t>2020/10/13</a:t>
             </a:fld>
             <a:endParaRPr lang="zh-CN" altLang="en-US"/>
           </a:p>
@@ -2382,7 +2383,7 @@
           <a:p>
             <a:fld id="{5F911BC3-F3E0-4B8D-9B45-4D8AFAB6869E}" type="datetimeFigureOut">
               <a:rPr lang="zh-CN" altLang="en-US" smtClean="0"/>
-              <a:t>2020/10/12</a:t>
+              <a:t>2020/10/13</a:t>
             </a:fld>
             <a:endParaRPr lang="zh-CN" altLang="en-US"/>
           </a:p>
@@ -2670,7 +2671,7 @@
           <a:p>
             <a:fld id="{5F911BC3-F3E0-4B8D-9B45-4D8AFAB6869E}" type="datetimeFigureOut">
               <a:rPr lang="zh-CN" altLang="en-US" smtClean="0"/>
-              <a:t>2020/10/12</a:t>
+              <a:t>2020/10/13</a:t>
             </a:fld>
             <a:endParaRPr lang="zh-CN" altLang="en-US"/>
           </a:p>
@@ -2911,7 +2912,7 @@
           <a:p>
             <a:fld id="{5F911BC3-F3E0-4B8D-9B45-4D8AFAB6869E}" type="datetimeFigureOut">
               <a:rPr lang="zh-CN" altLang="en-US" smtClean="0"/>
-              <a:t>2020/10/12</a:t>
+              <a:t>2020/10/13</a:t>
             </a:fld>
             <a:endParaRPr lang="zh-CN" altLang="en-US"/>
           </a:p>
@@ -6274,8 +6275,8 @@
           </a:p>
         </p:txBody>
       </p:sp>
-      <mc:AlternateContent xmlns:mc="http://schemas.openxmlformats.org/markup-compatibility/2006">
-        <mc:Choice xmlns:a14="http://schemas.microsoft.com/office/drawing/2010/main" Requires="a14">
+      <mc:AlternateContent xmlns:mc="http://schemas.openxmlformats.org/markup-compatibility/2006" xmlns:a14="http://schemas.microsoft.com/office/drawing/2010/main">
+        <mc:Choice Requires="a14">
           <p:sp>
             <p:nvSpPr>
               <p:cNvPr id="36" name="矩形: 圆角 35">
@@ -6331,7 +6332,7 @@
                     <m:sSup>
                       <m:sSupPr>
                         <m:ctrlPr>
-                          <a:rPr lang="en-US" altLang="zh-CN" smtClean="0">
+                          <a:rPr lang="en-US" altLang="zh-CN" i="1" smtClean="0">
                             <a:solidFill>
                               <a:schemeClr val="tx1"/>
                             </a:solidFill>
@@ -6384,7 +6385,7 @@
             </p:txBody>
           </p:sp>
         </mc:Choice>
-        <mc:Fallback>
+        <mc:Fallback xmlns="">
           <p:sp>
             <p:nvSpPr>
               <p:cNvPr id="36" name="矩形: 圆角 35">
@@ -8631,6 +8632,1619 @@
     <p:extLst>
       <p:ext uri="{BB962C8B-B14F-4D97-AF65-F5344CB8AC3E}">
         <p14:creationId xmlns:p14="http://schemas.microsoft.com/office/powerpoint/2010/main" val="4156502953"/>
+      </p:ext>
+    </p:extLst>
+  </p:cSld>
+  <p:clrMapOvr>
+    <a:masterClrMapping/>
+  </p:clrMapOvr>
+</p:sld>
+</file>
+
+<file path=ppt/slides/slide4.xml><?xml version="1.0" encoding="utf-8"?>
+<p:sld xmlns:a="http://schemas.openxmlformats.org/drawingml/2006/main" xmlns:r="http://schemas.openxmlformats.org/officeDocument/2006/relationships" xmlns:p="http://schemas.openxmlformats.org/presentationml/2006/main">
+  <p:cSld>
+    <p:spTree>
+      <p:nvGrpSpPr>
+        <p:cNvPr id="1" name=""/>
+        <p:cNvGrpSpPr/>
+        <p:nvPr/>
+      </p:nvGrpSpPr>
+      <p:grpSpPr>
+        <a:xfrm>
+          <a:off x="0" y="0"/>
+          <a:ext cx="0" cy="0"/>
+          <a:chOff x="0" y="0"/>
+          <a:chExt cx="0" cy="0"/>
+        </a:xfrm>
+      </p:grpSpPr>
+      <p:sp>
+        <p:nvSpPr>
+          <p:cNvPr id="14" name="圆柱体 13">
+            <a:extLst>
+              <a:ext uri="{FF2B5EF4-FFF2-40B4-BE49-F238E27FC236}">
+                <a16:creationId xmlns:a16="http://schemas.microsoft.com/office/drawing/2014/main" id="{209831C0-3563-424E-AB5A-30A365C2376B}"/>
+              </a:ext>
+            </a:extLst>
+          </p:cNvPr>
+          <p:cNvSpPr/>
+          <p:nvPr/>
+        </p:nvSpPr>
+        <p:spPr>
+          <a:xfrm>
+            <a:off x="1325882" y="2535092"/>
+            <a:ext cx="1099604" cy="1401821"/>
+          </a:xfrm>
+          <a:prstGeom prst="can">
+            <a:avLst/>
+          </a:prstGeom>
+          <a:solidFill>
+            <a:schemeClr val="accent2">
+              <a:lumMod val="75000"/>
+            </a:schemeClr>
+          </a:solidFill>
+        </p:spPr>
+        <p:style>
+          <a:lnRef idx="2">
+            <a:schemeClr val="accent1">
+              <a:shade val="50000"/>
+            </a:schemeClr>
+          </a:lnRef>
+          <a:fillRef idx="1">
+            <a:schemeClr val="accent1"/>
+          </a:fillRef>
+          <a:effectRef idx="0">
+            <a:schemeClr val="accent1"/>
+          </a:effectRef>
+          <a:fontRef idx="minor">
+            <a:schemeClr val="lt1"/>
+          </a:fontRef>
+        </p:style>
+        <p:txBody>
+          <a:bodyPr rtlCol="0" anchor="ctr"/>
+          <a:lstStyle/>
+          <a:p>
+            <a:pPr algn="ctr"/>
+            <a:r>
+              <a:rPr lang="en-US" altLang="zh-CN" dirty="0"/>
+              <a:t>IP</a:t>
+            </a:r>
+            <a:endParaRPr lang="zh-CN" altLang="en-US" dirty="0"/>
+          </a:p>
+        </p:txBody>
+      </p:sp>
+      <p:cxnSp>
+        <p:nvCxnSpPr>
+          <p:cNvPr id="29" name="直接箭头连接符 28">
+            <a:extLst>
+              <a:ext uri="{FF2B5EF4-FFF2-40B4-BE49-F238E27FC236}">
+                <a16:creationId xmlns:a16="http://schemas.microsoft.com/office/drawing/2014/main" id="{1237750A-3514-42A2-A36A-1BDC9F1F749B}"/>
+              </a:ext>
+            </a:extLst>
+          </p:cNvPr>
+          <p:cNvCxnSpPr>
+            <a:cxnSpLocks/>
+            <a:stCxn id="14" idx="4"/>
+            <a:endCxn id="2" idx="1"/>
+          </p:cNvCxnSpPr>
+          <p:nvPr/>
+        </p:nvCxnSpPr>
+        <p:spPr>
+          <a:xfrm flipV="1">
+            <a:off x="2425486" y="1210159"/>
+            <a:ext cx="1677690" cy="2025844"/>
+          </a:xfrm>
+          <a:prstGeom prst="straightConnector1">
+            <a:avLst/>
+          </a:prstGeom>
+          <a:ln>
+            <a:tailEnd type="triangle"/>
+          </a:ln>
+        </p:spPr>
+        <p:style>
+          <a:lnRef idx="3">
+            <a:schemeClr val="dk1"/>
+          </a:lnRef>
+          <a:fillRef idx="0">
+            <a:schemeClr val="dk1"/>
+          </a:fillRef>
+          <a:effectRef idx="2">
+            <a:schemeClr val="dk1"/>
+          </a:effectRef>
+          <a:fontRef idx="minor">
+            <a:schemeClr val="tx1"/>
+          </a:fontRef>
+        </p:style>
+      </p:cxnSp>
+      <p:sp>
+        <p:nvSpPr>
+          <p:cNvPr id="2" name="矩形: 圆角 1">
+            <a:extLst>
+              <a:ext uri="{FF2B5EF4-FFF2-40B4-BE49-F238E27FC236}">
+                <a16:creationId xmlns:a16="http://schemas.microsoft.com/office/drawing/2014/main" id="{C730D135-410D-47B3-9657-CAB781103F27}"/>
+              </a:ext>
+            </a:extLst>
+          </p:cNvPr>
+          <p:cNvSpPr/>
+          <p:nvPr/>
+        </p:nvSpPr>
+        <p:spPr>
+          <a:xfrm>
+            <a:off x="4103176" y="914400"/>
+            <a:ext cx="3332135" cy="591517"/>
+          </a:xfrm>
+          <a:prstGeom prst="roundRect">
+            <a:avLst/>
+          </a:prstGeom>
+          <a:solidFill>
+            <a:schemeClr val="bg1"/>
+          </a:solidFill>
+          <a:ln w="38100">
+            <a:solidFill>
+              <a:schemeClr val="accent5">
+                <a:lumMod val="75000"/>
+              </a:schemeClr>
+            </a:solidFill>
+          </a:ln>
+        </p:spPr>
+        <p:style>
+          <a:lnRef idx="2">
+            <a:schemeClr val="accent1">
+              <a:shade val="50000"/>
+            </a:schemeClr>
+          </a:lnRef>
+          <a:fillRef idx="1">
+            <a:schemeClr val="accent1"/>
+          </a:fillRef>
+          <a:effectRef idx="0">
+            <a:schemeClr val="accent1"/>
+          </a:effectRef>
+          <a:fontRef idx="minor">
+            <a:schemeClr val="lt1"/>
+          </a:fontRef>
+        </p:style>
+        <p:txBody>
+          <a:bodyPr rtlCol="0" anchor="ctr"/>
+          <a:lstStyle/>
+          <a:p>
+            <a:pPr algn="ctr"/>
+            <a:r>
+              <a:rPr lang="en-US" altLang="zh-CN" dirty="0">
+                <a:solidFill>
+                  <a:schemeClr val="tx1"/>
+                </a:solidFill>
+              </a:rPr>
+              <a:t>Instantiation Template</a:t>
+            </a:r>
+            <a:endParaRPr lang="zh-CN" altLang="en-US" dirty="0">
+              <a:solidFill>
+                <a:schemeClr val="tx1"/>
+              </a:solidFill>
+            </a:endParaRPr>
+          </a:p>
+        </p:txBody>
+      </p:sp>
+      <p:sp>
+        <p:nvSpPr>
+          <p:cNvPr id="3" name="矩形: 圆角 2">
+            <a:extLst>
+              <a:ext uri="{FF2B5EF4-FFF2-40B4-BE49-F238E27FC236}">
+                <a16:creationId xmlns:a16="http://schemas.microsoft.com/office/drawing/2014/main" id="{6C814F1E-4D25-4DCC-A108-B2B2DBEA4770}"/>
+              </a:ext>
+            </a:extLst>
+          </p:cNvPr>
+          <p:cNvSpPr/>
+          <p:nvPr/>
+        </p:nvSpPr>
+        <p:spPr>
+          <a:xfrm>
+            <a:off x="4103176" y="1589867"/>
+            <a:ext cx="3332135" cy="590400"/>
+          </a:xfrm>
+          <a:prstGeom prst="roundRect">
+            <a:avLst/>
+          </a:prstGeom>
+          <a:solidFill>
+            <a:schemeClr val="bg1"/>
+          </a:solidFill>
+          <a:ln w="38100">
+            <a:solidFill>
+              <a:schemeClr val="accent5">
+                <a:lumMod val="75000"/>
+              </a:schemeClr>
+            </a:solidFill>
+          </a:ln>
+        </p:spPr>
+        <p:style>
+          <a:lnRef idx="2">
+            <a:schemeClr val="accent1">
+              <a:shade val="50000"/>
+            </a:schemeClr>
+          </a:lnRef>
+          <a:fillRef idx="1">
+            <a:schemeClr val="accent1"/>
+          </a:fillRef>
+          <a:effectRef idx="0">
+            <a:schemeClr val="accent1"/>
+          </a:effectRef>
+          <a:fontRef idx="minor">
+            <a:schemeClr val="lt1"/>
+          </a:fontRef>
+        </p:style>
+        <p:txBody>
+          <a:bodyPr rtlCol="0" anchor="ctr"/>
+          <a:lstStyle/>
+          <a:p>
+            <a:pPr algn="ctr"/>
+            <a:r>
+              <a:rPr lang="en-US" altLang="zh-CN" dirty="0">
+                <a:solidFill>
+                  <a:schemeClr val="tx1"/>
+                </a:solidFill>
+              </a:rPr>
+              <a:t>Synthesized Checkpoint</a:t>
+            </a:r>
+            <a:endParaRPr lang="zh-CN" altLang="en-US" dirty="0">
+              <a:solidFill>
+                <a:schemeClr val="tx1"/>
+              </a:solidFill>
+            </a:endParaRPr>
+          </a:p>
+        </p:txBody>
+      </p:sp>
+      <p:sp>
+        <p:nvSpPr>
+          <p:cNvPr id="5" name="矩形: 圆角 4">
+            <a:extLst>
+              <a:ext uri="{FF2B5EF4-FFF2-40B4-BE49-F238E27FC236}">
+                <a16:creationId xmlns:a16="http://schemas.microsoft.com/office/drawing/2014/main" id="{A80788E7-52E5-4444-B9DE-058F44A50B71}"/>
+              </a:ext>
+            </a:extLst>
+          </p:cNvPr>
+          <p:cNvSpPr/>
+          <p:nvPr/>
+        </p:nvSpPr>
+        <p:spPr>
+          <a:xfrm>
+            <a:off x="4103176" y="2265335"/>
+            <a:ext cx="3332135" cy="590400"/>
+          </a:xfrm>
+          <a:prstGeom prst="roundRect">
+            <a:avLst/>
+          </a:prstGeom>
+          <a:solidFill>
+            <a:schemeClr val="bg1"/>
+          </a:solidFill>
+          <a:ln w="38100">
+            <a:solidFill>
+              <a:schemeClr val="accent5">
+                <a:lumMod val="75000"/>
+              </a:schemeClr>
+            </a:solidFill>
+          </a:ln>
+        </p:spPr>
+        <p:style>
+          <a:lnRef idx="2">
+            <a:schemeClr val="accent1">
+              <a:shade val="50000"/>
+            </a:schemeClr>
+          </a:lnRef>
+          <a:fillRef idx="1">
+            <a:schemeClr val="accent1"/>
+          </a:fillRef>
+          <a:effectRef idx="0">
+            <a:schemeClr val="accent1"/>
+          </a:effectRef>
+          <a:fontRef idx="minor">
+            <a:schemeClr val="lt1"/>
+          </a:fontRef>
+        </p:style>
+        <p:txBody>
+          <a:bodyPr rtlCol="0" anchor="ctr"/>
+          <a:lstStyle/>
+          <a:p>
+            <a:pPr algn="ctr"/>
+            <a:r>
+              <a:rPr lang="en-US" altLang="zh-CN" dirty="0">
+                <a:solidFill>
+                  <a:schemeClr val="tx1"/>
+                </a:solidFill>
+              </a:rPr>
+              <a:t>Behavioral Simulation</a:t>
+            </a:r>
+            <a:endParaRPr lang="zh-CN" altLang="en-US" dirty="0">
+              <a:solidFill>
+                <a:schemeClr val="tx1"/>
+              </a:solidFill>
+            </a:endParaRPr>
+          </a:p>
+        </p:txBody>
+      </p:sp>
+      <p:sp>
+        <p:nvSpPr>
+          <p:cNvPr id="7" name="矩形: 圆角 6">
+            <a:extLst>
+              <a:ext uri="{FF2B5EF4-FFF2-40B4-BE49-F238E27FC236}">
+                <a16:creationId xmlns:a16="http://schemas.microsoft.com/office/drawing/2014/main" id="{778E5465-E457-483C-A87B-E9AE0E78F3E4}"/>
+              </a:ext>
+            </a:extLst>
+          </p:cNvPr>
+          <p:cNvSpPr/>
+          <p:nvPr/>
+        </p:nvSpPr>
+        <p:spPr>
+          <a:xfrm>
+            <a:off x="4103175" y="2940803"/>
+            <a:ext cx="3332135" cy="590400"/>
+          </a:xfrm>
+          <a:prstGeom prst="roundRect">
+            <a:avLst/>
+          </a:prstGeom>
+          <a:solidFill>
+            <a:schemeClr val="bg1"/>
+          </a:solidFill>
+          <a:ln w="38100">
+            <a:solidFill>
+              <a:schemeClr val="accent5">
+                <a:lumMod val="75000"/>
+              </a:schemeClr>
+            </a:solidFill>
+          </a:ln>
+        </p:spPr>
+        <p:style>
+          <a:lnRef idx="2">
+            <a:schemeClr val="accent1">
+              <a:shade val="50000"/>
+            </a:schemeClr>
+          </a:lnRef>
+          <a:fillRef idx="1">
+            <a:schemeClr val="accent1"/>
+          </a:fillRef>
+          <a:effectRef idx="0">
+            <a:schemeClr val="accent1"/>
+          </a:effectRef>
+          <a:fontRef idx="minor">
+            <a:schemeClr val="lt1"/>
+          </a:fontRef>
+        </p:style>
+        <p:txBody>
+          <a:bodyPr rtlCol="0" anchor="ctr"/>
+          <a:lstStyle/>
+          <a:p>
+            <a:pPr algn="ctr"/>
+            <a:r>
+              <a:rPr lang="en-US" altLang="zh-CN" dirty="0">
+                <a:solidFill>
+                  <a:schemeClr val="tx1"/>
+                </a:solidFill>
+              </a:rPr>
+              <a:t>&lt;</a:t>
+            </a:r>
+            <a:r>
+              <a:rPr lang="en-US" altLang="zh-CN" dirty="0" err="1">
+                <a:solidFill>
+                  <a:schemeClr val="tx1"/>
+                </a:solidFill>
+              </a:rPr>
+              <a:t>ip_name</a:t>
+            </a:r>
+            <a:r>
+              <a:rPr lang="en-US" altLang="zh-CN" dirty="0">
+                <a:solidFill>
+                  <a:schemeClr val="tx1"/>
+                </a:solidFill>
+              </a:rPr>
+              <a:t>&gt;_</a:t>
+            </a:r>
+            <a:r>
+              <a:rPr lang="en-US" altLang="zh-CN" dirty="0" err="1">
+                <a:solidFill>
+                  <a:schemeClr val="tx1"/>
+                </a:solidFill>
+              </a:rPr>
+              <a:t>funcsim.v</a:t>
+            </a:r>
+            <a:r>
+              <a:rPr lang="en-US" altLang="zh-CN" dirty="0">
+                <a:solidFill>
+                  <a:schemeClr val="tx1"/>
+                </a:solidFill>
+              </a:rPr>
+              <a:t>/</a:t>
+            </a:r>
+            <a:r>
+              <a:rPr lang="en-US" altLang="zh-CN" dirty="0" err="1">
+                <a:solidFill>
+                  <a:schemeClr val="tx1"/>
+                </a:solidFill>
+              </a:rPr>
+              <a:t>vhdl</a:t>
+            </a:r>
+            <a:endParaRPr lang="en-US" altLang="zh-CN" dirty="0">
+              <a:solidFill>
+                <a:schemeClr val="tx1"/>
+              </a:solidFill>
+            </a:endParaRPr>
+          </a:p>
+        </p:txBody>
+      </p:sp>
+      <p:sp>
+        <p:nvSpPr>
+          <p:cNvPr id="9" name="矩形: 圆角 8">
+            <a:extLst>
+              <a:ext uri="{FF2B5EF4-FFF2-40B4-BE49-F238E27FC236}">
+                <a16:creationId xmlns:a16="http://schemas.microsoft.com/office/drawing/2014/main" id="{5364FC6C-21BB-4053-8310-2195D5E6F18F}"/>
+              </a:ext>
+            </a:extLst>
+          </p:cNvPr>
+          <p:cNvSpPr/>
+          <p:nvPr/>
+        </p:nvSpPr>
+        <p:spPr>
+          <a:xfrm>
+            <a:off x="4103175" y="3615153"/>
+            <a:ext cx="3332135" cy="591517"/>
+          </a:xfrm>
+          <a:prstGeom prst="roundRect">
+            <a:avLst/>
+          </a:prstGeom>
+          <a:solidFill>
+            <a:schemeClr val="bg1"/>
+          </a:solidFill>
+          <a:ln w="38100">
+            <a:solidFill>
+              <a:schemeClr val="accent5">
+                <a:lumMod val="75000"/>
+              </a:schemeClr>
+            </a:solidFill>
+          </a:ln>
+        </p:spPr>
+        <p:style>
+          <a:lnRef idx="2">
+            <a:schemeClr val="accent1">
+              <a:shade val="50000"/>
+            </a:schemeClr>
+          </a:lnRef>
+          <a:fillRef idx="1">
+            <a:schemeClr val="accent1"/>
+          </a:fillRef>
+          <a:effectRef idx="0">
+            <a:schemeClr val="accent1"/>
+          </a:effectRef>
+          <a:fontRef idx="minor">
+            <a:schemeClr val="lt1"/>
+          </a:fontRef>
+        </p:style>
+        <p:txBody>
+          <a:bodyPr rtlCol="0" anchor="ctr"/>
+          <a:lstStyle/>
+          <a:p>
+            <a:pPr algn="ctr"/>
+            <a:r>
+              <a:rPr lang="en-US" altLang="zh-CN" sz="1600" dirty="0">
+                <a:solidFill>
+                  <a:schemeClr val="tx1"/>
+                </a:solidFill>
+              </a:rPr>
+              <a:t>&lt;</a:t>
+            </a:r>
+            <a:r>
+              <a:rPr lang="en-US" altLang="zh-CN" sz="1600" dirty="0" err="1">
+                <a:solidFill>
+                  <a:schemeClr val="tx1"/>
+                </a:solidFill>
+              </a:rPr>
+              <a:t>ip_name</a:t>
+            </a:r>
+            <a:r>
+              <a:rPr lang="en-US" altLang="zh-CN" sz="1600" dirty="0">
+                <a:solidFill>
+                  <a:schemeClr val="tx1"/>
+                </a:solidFill>
+              </a:rPr>
+              <a:t>&gt;_</a:t>
+            </a:r>
+            <a:r>
+              <a:rPr lang="en-US" altLang="zh-CN" sz="1600" dirty="0" err="1">
+                <a:solidFill>
+                  <a:schemeClr val="tx1"/>
+                </a:solidFill>
+              </a:rPr>
+              <a:t>stub.v</a:t>
+            </a:r>
+            <a:endParaRPr lang="en-US" altLang="zh-CN" sz="1600" dirty="0">
+              <a:solidFill>
+                <a:schemeClr val="tx1"/>
+              </a:solidFill>
+            </a:endParaRPr>
+          </a:p>
+          <a:p>
+            <a:pPr algn="ctr"/>
+            <a:r>
+              <a:rPr lang="en-US" altLang="zh-CN" sz="1600" dirty="0">
+                <a:solidFill>
+                  <a:schemeClr val="tx1"/>
+                </a:solidFill>
+              </a:rPr>
+              <a:t>&lt;</a:t>
+            </a:r>
+            <a:r>
+              <a:rPr lang="en-US" altLang="zh-CN" sz="1600" dirty="0" err="1">
+                <a:solidFill>
+                  <a:schemeClr val="tx1"/>
+                </a:solidFill>
+              </a:rPr>
+              <a:t>ip_name</a:t>
+            </a:r>
+            <a:r>
+              <a:rPr lang="en-US" altLang="zh-CN" sz="1600" dirty="0">
+                <a:solidFill>
+                  <a:schemeClr val="tx1"/>
+                </a:solidFill>
+              </a:rPr>
+              <a:t>&gt;.</a:t>
+            </a:r>
+            <a:r>
+              <a:rPr lang="en-US" altLang="zh-CN" sz="1600" dirty="0" err="1">
+                <a:solidFill>
+                  <a:schemeClr val="tx1"/>
+                </a:solidFill>
+              </a:rPr>
+              <a:t>vho</a:t>
+            </a:r>
+            <a:endParaRPr lang="en-US" altLang="zh-CN" sz="1600" dirty="0">
+              <a:solidFill>
+                <a:schemeClr val="tx1"/>
+              </a:solidFill>
+            </a:endParaRPr>
+          </a:p>
+        </p:txBody>
+      </p:sp>
+      <p:sp>
+        <p:nvSpPr>
+          <p:cNvPr id="11" name="矩形: 圆角 10">
+            <a:extLst>
+              <a:ext uri="{FF2B5EF4-FFF2-40B4-BE49-F238E27FC236}">
+                <a16:creationId xmlns:a16="http://schemas.microsoft.com/office/drawing/2014/main" id="{86E3B322-E278-47EF-A06C-8C6EEF6D761E}"/>
+              </a:ext>
+            </a:extLst>
+          </p:cNvPr>
+          <p:cNvSpPr/>
+          <p:nvPr/>
+        </p:nvSpPr>
+        <p:spPr>
+          <a:xfrm>
+            <a:off x="4103175" y="4290620"/>
+            <a:ext cx="3332135" cy="591517"/>
+          </a:xfrm>
+          <a:prstGeom prst="roundRect">
+            <a:avLst/>
+          </a:prstGeom>
+          <a:solidFill>
+            <a:schemeClr val="bg1"/>
+          </a:solidFill>
+          <a:ln w="38100">
+            <a:solidFill>
+              <a:schemeClr val="accent5">
+                <a:lumMod val="75000"/>
+              </a:schemeClr>
+            </a:solidFill>
+          </a:ln>
+        </p:spPr>
+        <p:style>
+          <a:lnRef idx="2">
+            <a:schemeClr val="accent1">
+              <a:shade val="50000"/>
+            </a:schemeClr>
+          </a:lnRef>
+          <a:fillRef idx="1">
+            <a:schemeClr val="accent1"/>
+          </a:fillRef>
+          <a:effectRef idx="0">
+            <a:schemeClr val="accent1"/>
+          </a:effectRef>
+          <a:fontRef idx="minor">
+            <a:schemeClr val="lt1"/>
+          </a:fontRef>
+        </p:style>
+        <p:txBody>
+          <a:bodyPr rtlCol="0" anchor="ctr"/>
+          <a:lstStyle/>
+          <a:p>
+            <a:pPr algn="ctr"/>
+            <a:r>
+              <a:rPr lang="en-US" altLang="zh-CN" sz="1600" dirty="0">
+                <a:solidFill>
+                  <a:schemeClr val="tx1"/>
+                </a:solidFill>
+              </a:rPr>
+              <a:t>Example Design</a:t>
+            </a:r>
+          </a:p>
+        </p:txBody>
+      </p:sp>
+      <p:sp>
+        <p:nvSpPr>
+          <p:cNvPr id="16" name="矩形: 圆角 15">
+            <a:extLst>
+              <a:ext uri="{FF2B5EF4-FFF2-40B4-BE49-F238E27FC236}">
+                <a16:creationId xmlns:a16="http://schemas.microsoft.com/office/drawing/2014/main" id="{385E7B9F-CCE4-4C98-B5A1-22FD05E839EB}"/>
+              </a:ext>
+            </a:extLst>
+          </p:cNvPr>
+          <p:cNvSpPr/>
+          <p:nvPr/>
+        </p:nvSpPr>
+        <p:spPr>
+          <a:xfrm>
+            <a:off x="4103174" y="4966087"/>
+            <a:ext cx="3332135" cy="591517"/>
+          </a:xfrm>
+          <a:prstGeom prst="roundRect">
+            <a:avLst/>
+          </a:prstGeom>
+          <a:solidFill>
+            <a:schemeClr val="bg1"/>
+          </a:solidFill>
+          <a:ln w="38100">
+            <a:solidFill>
+              <a:schemeClr val="accent5">
+                <a:lumMod val="75000"/>
+              </a:schemeClr>
+            </a:solidFill>
+          </a:ln>
+        </p:spPr>
+        <p:style>
+          <a:lnRef idx="2">
+            <a:schemeClr val="accent1">
+              <a:shade val="50000"/>
+            </a:schemeClr>
+          </a:lnRef>
+          <a:fillRef idx="1">
+            <a:schemeClr val="accent1"/>
+          </a:fillRef>
+          <a:effectRef idx="0">
+            <a:schemeClr val="accent1"/>
+          </a:effectRef>
+          <a:fontRef idx="minor">
+            <a:schemeClr val="lt1"/>
+          </a:fontRef>
+        </p:style>
+        <p:txBody>
+          <a:bodyPr rtlCol="0" anchor="ctr"/>
+          <a:lstStyle/>
+          <a:p>
+            <a:pPr algn="ctr"/>
+            <a:r>
+              <a:rPr lang="en-US" altLang="zh-CN" sz="1600" dirty="0">
+                <a:solidFill>
+                  <a:schemeClr val="tx1"/>
+                </a:solidFill>
+              </a:rPr>
+              <a:t>Testbench</a:t>
+            </a:r>
+          </a:p>
+        </p:txBody>
+      </p:sp>
+      <p:cxnSp>
+        <p:nvCxnSpPr>
+          <p:cNvPr id="42" name="直接箭头连接符 41">
+            <a:extLst>
+              <a:ext uri="{FF2B5EF4-FFF2-40B4-BE49-F238E27FC236}">
+                <a16:creationId xmlns:a16="http://schemas.microsoft.com/office/drawing/2014/main" id="{6207E202-64A5-4F2C-B074-C8F9BEC8C4A3}"/>
+              </a:ext>
+            </a:extLst>
+          </p:cNvPr>
+          <p:cNvCxnSpPr>
+            <a:cxnSpLocks/>
+            <a:stCxn id="14" idx="4"/>
+            <a:endCxn id="3" idx="1"/>
+          </p:cNvCxnSpPr>
+          <p:nvPr/>
+        </p:nvCxnSpPr>
+        <p:spPr>
+          <a:xfrm flipV="1">
+            <a:off x="2425486" y="1885067"/>
+            <a:ext cx="1677690" cy="1350936"/>
+          </a:xfrm>
+          <a:prstGeom prst="straightConnector1">
+            <a:avLst/>
+          </a:prstGeom>
+          <a:ln>
+            <a:tailEnd type="triangle"/>
+          </a:ln>
+        </p:spPr>
+        <p:style>
+          <a:lnRef idx="3">
+            <a:schemeClr val="dk1"/>
+          </a:lnRef>
+          <a:fillRef idx="0">
+            <a:schemeClr val="dk1"/>
+          </a:fillRef>
+          <a:effectRef idx="2">
+            <a:schemeClr val="dk1"/>
+          </a:effectRef>
+          <a:fontRef idx="minor">
+            <a:schemeClr val="tx1"/>
+          </a:fontRef>
+        </p:style>
+      </p:cxnSp>
+      <p:cxnSp>
+        <p:nvCxnSpPr>
+          <p:cNvPr id="45" name="直接箭头连接符 44">
+            <a:extLst>
+              <a:ext uri="{FF2B5EF4-FFF2-40B4-BE49-F238E27FC236}">
+                <a16:creationId xmlns:a16="http://schemas.microsoft.com/office/drawing/2014/main" id="{898FF5D3-B3ED-495F-AA74-1F0B9793052F}"/>
+              </a:ext>
+            </a:extLst>
+          </p:cNvPr>
+          <p:cNvCxnSpPr>
+            <a:cxnSpLocks/>
+            <a:stCxn id="14" idx="4"/>
+            <a:endCxn id="5" idx="1"/>
+          </p:cNvCxnSpPr>
+          <p:nvPr/>
+        </p:nvCxnSpPr>
+        <p:spPr>
+          <a:xfrm flipV="1">
+            <a:off x="2425486" y="2560535"/>
+            <a:ext cx="1677690" cy="675468"/>
+          </a:xfrm>
+          <a:prstGeom prst="straightConnector1">
+            <a:avLst/>
+          </a:prstGeom>
+          <a:ln>
+            <a:tailEnd type="triangle"/>
+          </a:ln>
+        </p:spPr>
+        <p:style>
+          <a:lnRef idx="3">
+            <a:schemeClr val="dk1"/>
+          </a:lnRef>
+          <a:fillRef idx="0">
+            <a:schemeClr val="dk1"/>
+          </a:fillRef>
+          <a:effectRef idx="2">
+            <a:schemeClr val="dk1"/>
+          </a:effectRef>
+          <a:fontRef idx="minor">
+            <a:schemeClr val="tx1"/>
+          </a:fontRef>
+        </p:style>
+      </p:cxnSp>
+      <p:cxnSp>
+        <p:nvCxnSpPr>
+          <p:cNvPr id="48" name="直接箭头连接符 47">
+            <a:extLst>
+              <a:ext uri="{FF2B5EF4-FFF2-40B4-BE49-F238E27FC236}">
+                <a16:creationId xmlns:a16="http://schemas.microsoft.com/office/drawing/2014/main" id="{88D57894-780D-4D49-8C78-118E84022368}"/>
+              </a:ext>
+            </a:extLst>
+          </p:cNvPr>
+          <p:cNvCxnSpPr>
+            <a:cxnSpLocks/>
+            <a:stCxn id="14" idx="4"/>
+            <a:endCxn id="7" idx="1"/>
+          </p:cNvCxnSpPr>
+          <p:nvPr/>
+        </p:nvCxnSpPr>
+        <p:spPr>
+          <a:xfrm>
+            <a:off x="2425486" y="3236003"/>
+            <a:ext cx="1677689" cy="0"/>
+          </a:xfrm>
+          <a:prstGeom prst="straightConnector1">
+            <a:avLst/>
+          </a:prstGeom>
+          <a:ln>
+            <a:tailEnd type="triangle"/>
+          </a:ln>
+        </p:spPr>
+        <p:style>
+          <a:lnRef idx="3">
+            <a:schemeClr val="dk1"/>
+          </a:lnRef>
+          <a:fillRef idx="0">
+            <a:schemeClr val="dk1"/>
+          </a:fillRef>
+          <a:effectRef idx="2">
+            <a:schemeClr val="dk1"/>
+          </a:effectRef>
+          <a:fontRef idx="minor">
+            <a:schemeClr val="tx1"/>
+          </a:fontRef>
+        </p:style>
+      </p:cxnSp>
+      <p:cxnSp>
+        <p:nvCxnSpPr>
+          <p:cNvPr id="51" name="直接箭头连接符 50">
+            <a:extLst>
+              <a:ext uri="{FF2B5EF4-FFF2-40B4-BE49-F238E27FC236}">
+                <a16:creationId xmlns:a16="http://schemas.microsoft.com/office/drawing/2014/main" id="{0F1F613F-3E89-4DB9-92B7-3AD4CD976D96}"/>
+              </a:ext>
+            </a:extLst>
+          </p:cNvPr>
+          <p:cNvCxnSpPr>
+            <a:cxnSpLocks/>
+            <a:stCxn id="14" idx="4"/>
+            <a:endCxn id="9" idx="1"/>
+          </p:cNvCxnSpPr>
+          <p:nvPr/>
+        </p:nvCxnSpPr>
+        <p:spPr>
+          <a:xfrm>
+            <a:off x="2425486" y="3236003"/>
+            <a:ext cx="1677689" cy="674909"/>
+          </a:xfrm>
+          <a:prstGeom prst="straightConnector1">
+            <a:avLst/>
+          </a:prstGeom>
+          <a:ln>
+            <a:tailEnd type="triangle"/>
+          </a:ln>
+        </p:spPr>
+        <p:style>
+          <a:lnRef idx="3">
+            <a:schemeClr val="dk1"/>
+          </a:lnRef>
+          <a:fillRef idx="0">
+            <a:schemeClr val="dk1"/>
+          </a:fillRef>
+          <a:effectRef idx="2">
+            <a:schemeClr val="dk1"/>
+          </a:effectRef>
+          <a:fontRef idx="minor">
+            <a:schemeClr val="tx1"/>
+          </a:fontRef>
+        </p:style>
+      </p:cxnSp>
+      <p:cxnSp>
+        <p:nvCxnSpPr>
+          <p:cNvPr id="54" name="直接箭头连接符 53">
+            <a:extLst>
+              <a:ext uri="{FF2B5EF4-FFF2-40B4-BE49-F238E27FC236}">
+                <a16:creationId xmlns:a16="http://schemas.microsoft.com/office/drawing/2014/main" id="{565349B1-CC7B-46A8-8399-12099E917F4E}"/>
+              </a:ext>
+            </a:extLst>
+          </p:cNvPr>
+          <p:cNvCxnSpPr>
+            <a:cxnSpLocks/>
+            <a:stCxn id="14" idx="4"/>
+            <a:endCxn id="11" idx="1"/>
+          </p:cNvCxnSpPr>
+          <p:nvPr/>
+        </p:nvCxnSpPr>
+        <p:spPr>
+          <a:xfrm>
+            <a:off x="2425486" y="3236003"/>
+            <a:ext cx="1677689" cy="1350376"/>
+          </a:xfrm>
+          <a:prstGeom prst="straightConnector1">
+            <a:avLst/>
+          </a:prstGeom>
+          <a:ln>
+            <a:tailEnd type="triangle"/>
+          </a:ln>
+        </p:spPr>
+        <p:style>
+          <a:lnRef idx="3">
+            <a:schemeClr val="dk1"/>
+          </a:lnRef>
+          <a:fillRef idx="0">
+            <a:schemeClr val="dk1"/>
+          </a:fillRef>
+          <a:effectRef idx="2">
+            <a:schemeClr val="dk1"/>
+          </a:effectRef>
+          <a:fontRef idx="minor">
+            <a:schemeClr val="tx1"/>
+          </a:fontRef>
+        </p:style>
+      </p:cxnSp>
+      <p:cxnSp>
+        <p:nvCxnSpPr>
+          <p:cNvPr id="57" name="直接箭头连接符 56">
+            <a:extLst>
+              <a:ext uri="{FF2B5EF4-FFF2-40B4-BE49-F238E27FC236}">
+                <a16:creationId xmlns:a16="http://schemas.microsoft.com/office/drawing/2014/main" id="{50A9602F-6476-4AD7-8719-5115BEE572EC}"/>
+              </a:ext>
+            </a:extLst>
+          </p:cNvPr>
+          <p:cNvCxnSpPr>
+            <a:cxnSpLocks/>
+            <a:stCxn id="14" idx="4"/>
+            <a:endCxn id="16" idx="1"/>
+          </p:cNvCxnSpPr>
+          <p:nvPr/>
+        </p:nvCxnSpPr>
+        <p:spPr>
+          <a:xfrm>
+            <a:off x="2425486" y="3236003"/>
+            <a:ext cx="1677688" cy="2025843"/>
+          </a:xfrm>
+          <a:prstGeom prst="straightConnector1">
+            <a:avLst/>
+          </a:prstGeom>
+          <a:ln>
+            <a:tailEnd type="triangle"/>
+          </a:ln>
+        </p:spPr>
+        <p:style>
+          <a:lnRef idx="3">
+            <a:schemeClr val="dk1"/>
+          </a:lnRef>
+          <a:fillRef idx="0">
+            <a:schemeClr val="dk1"/>
+          </a:fillRef>
+          <a:effectRef idx="2">
+            <a:schemeClr val="dk1"/>
+          </a:effectRef>
+          <a:fontRef idx="minor">
+            <a:schemeClr val="tx1"/>
+          </a:fontRef>
+        </p:style>
+      </p:cxnSp>
+      <p:sp>
+        <p:nvSpPr>
+          <p:cNvPr id="50" name="流程图: 文档 49">
+            <a:extLst>
+              <a:ext uri="{FF2B5EF4-FFF2-40B4-BE49-F238E27FC236}">
+                <a16:creationId xmlns:a16="http://schemas.microsoft.com/office/drawing/2014/main" id="{F4A8E9D0-EA02-4A01-A5E9-924EB83383CE}"/>
+              </a:ext>
+            </a:extLst>
+          </p:cNvPr>
+          <p:cNvSpPr/>
+          <p:nvPr/>
+        </p:nvSpPr>
+        <p:spPr>
+          <a:xfrm>
+            <a:off x="7807269" y="967997"/>
+            <a:ext cx="1162375" cy="484323"/>
+          </a:xfrm>
+          <a:prstGeom prst="flowChartDocument">
+            <a:avLst/>
+          </a:prstGeom>
+          <a:solidFill>
+            <a:schemeClr val="bg1">
+              <a:lumMod val="65000"/>
+            </a:schemeClr>
+          </a:solidFill>
+        </p:spPr>
+        <p:style>
+          <a:lnRef idx="2">
+            <a:schemeClr val="accent1">
+              <a:shade val="50000"/>
+            </a:schemeClr>
+          </a:lnRef>
+          <a:fillRef idx="1">
+            <a:schemeClr val="accent1"/>
+          </a:fillRef>
+          <a:effectRef idx="0">
+            <a:schemeClr val="accent1"/>
+          </a:effectRef>
+          <a:fontRef idx="minor">
+            <a:schemeClr val="lt1"/>
+          </a:fontRef>
+        </p:style>
+        <p:txBody>
+          <a:bodyPr rtlCol="0" anchor="ctr"/>
+          <a:lstStyle/>
+          <a:p>
+            <a:pPr algn="ctr"/>
+            <a:r>
+              <a:rPr lang="en-US" altLang="zh-CN" dirty="0"/>
+              <a:t>.</a:t>
+            </a:r>
+            <a:r>
+              <a:rPr lang="en-US" altLang="zh-CN" dirty="0" err="1"/>
+              <a:t>veo</a:t>
+            </a:r>
+            <a:endParaRPr lang="zh-CN" altLang="en-US" dirty="0"/>
+          </a:p>
+        </p:txBody>
+      </p:sp>
+      <p:sp>
+        <p:nvSpPr>
+          <p:cNvPr id="52" name="流程图: 文档 51">
+            <a:extLst>
+              <a:ext uri="{FF2B5EF4-FFF2-40B4-BE49-F238E27FC236}">
+                <a16:creationId xmlns:a16="http://schemas.microsoft.com/office/drawing/2014/main" id="{CFA4BED0-9550-4F26-82B1-9056CAFFC0AC}"/>
+              </a:ext>
+            </a:extLst>
+          </p:cNvPr>
+          <p:cNvSpPr/>
+          <p:nvPr/>
+        </p:nvSpPr>
+        <p:spPr>
+          <a:xfrm>
+            <a:off x="9257652" y="967996"/>
+            <a:ext cx="1162375" cy="484323"/>
+          </a:xfrm>
+          <a:prstGeom prst="flowChartDocument">
+            <a:avLst/>
+          </a:prstGeom>
+          <a:solidFill>
+            <a:schemeClr val="bg1">
+              <a:lumMod val="65000"/>
+            </a:schemeClr>
+          </a:solidFill>
+        </p:spPr>
+        <p:style>
+          <a:lnRef idx="2">
+            <a:schemeClr val="accent1">
+              <a:shade val="50000"/>
+            </a:schemeClr>
+          </a:lnRef>
+          <a:fillRef idx="1">
+            <a:schemeClr val="accent1"/>
+          </a:fillRef>
+          <a:effectRef idx="0">
+            <a:schemeClr val="accent1"/>
+          </a:effectRef>
+          <a:fontRef idx="minor">
+            <a:schemeClr val="lt1"/>
+          </a:fontRef>
+        </p:style>
+        <p:txBody>
+          <a:bodyPr rtlCol="0" anchor="ctr"/>
+          <a:lstStyle/>
+          <a:p>
+            <a:pPr algn="ctr"/>
+            <a:r>
+              <a:rPr lang="en-US" altLang="zh-CN" dirty="0"/>
+              <a:t>.</a:t>
+            </a:r>
+            <a:r>
+              <a:rPr lang="en-US" altLang="zh-CN" dirty="0" err="1"/>
+              <a:t>vho</a:t>
+            </a:r>
+            <a:endParaRPr lang="zh-CN" altLang="en-US" dirty="0"/>
+          </a:p>
+        </p:txBody>
+      </p:sp>
+      <p:sp>
+        <p:nvSpPr>
+          <p:cNvPr id="53" name="流程图: 文档 52">
+            <a:extLst>
+              <a:ext uri="{FF2B5EF4-FFF2-40B4-BE49-F238E27FC236}">
+                <a16:creationId xmlns:a16="http://schemas.microsoft.com/office/drawing/2014/main" id="{08FA7C2B-C7E8-4597-9915-09486C968A70}"/>
+              </a:ext>
+            </a:extLst>
+          </p:cNvPr>
+          <p:cNvSpPr/>
+          <p:nvPr/>
+        </p:nvSpPr>
+        <p:spPr>
+          <a:xfrm>
+            <a:off x="7807268" y="1642905"/>
+            <a:ext cx="1162375" cy="484323"/>
+          </a:xfrm>
+          <a:prstGeom prst="flowChartDocument">
+            <a:avLst/>
+          </a:prstGeom>
+          <a:solidFill>
+            <a:schemeClr val="bg1">
+              <a:lumMod val="65000"/>
+            </a:schemeClr>
+          </a:solidFill>
+        </p:spPr>
+        <p:style>
+          <a:lnRef idx="2">
+            <a:schemeClr val="accent1">
+              <a:shade val="50000"/>
+            </a:schemeClr>
+          </a:lnRef>
+          <a:fillRef idx="1">
+            <a:schemeClr val="accent1"/>
+          </a:fillRef>
+          <a:effectRef idx="0">
+            <a:schemeClr val="accent1"/>
+          </a:effectRef>
+          <a:fontRef idx="minor">
+            <a:schemeClr val="lt1"/>
+          </a:fontRef>
+        </p:style>
+        <p:txBody>
+          <a:bodyPr rtlCol="0" anchor="ctr"/>
+          <a:lstStyle/>
+          <a:p>
+            <a:pPr algn="ctr"/>
+            <a:r>
+              <a:rPr lang="en-US" altLang="zh-CN" dirty="0"/>
+              <a:t>.</a:t>
+            </a:r>
+            <a:r>
+              <a:rPr lang="en-US" altLang="zh-CN" dirty="0" err="1"/>
+              <a:t>dcp</a:t>
+            </a:r>
+            <a:endParaRPr lang="zh-CN" altLang="en-US" dirty="0"/>
+          </a:p>
+        </p:txBody>
+      </p:sp>
+      <p:sp>
+        <p:nvSpPr>
+          <p:cNvPr id="55" name="流程图: 文档 54">
+            <a:extLst>
+              <a:ext uri="{FF2B5EF4-FFF2-40B4-BE49-F238E27FC236}">
+                <a16:creationId xmlns:a16="http://schemas.microsoft.com/office/drawing/2014/main" id="{3F13FE4A-EEDE-4F8D-9FE7-AA90A710D395}"/>
+              </a:ext>
+            </a:extLst>
+          </p:cNvPr>
+          <p:cNvSpPr/>
+          <p:nvPr/>
+        </p:nvSpPr>
+        <p:spPr>
+          <a:xfrm>
+            <a:off x="7807267" y="2321407"/>
+            <a:ext cx="1162375" cy="484323"/>
+          </a:xfrm>
+          <a:prstGeom prst="flowChartDocument">
+            <a:avLst/>
+          </a:prstGeom>
+          <a:solidFill>
+            <a:schemeClr val="bg1">
+              <a:lumMod val="65000"/>
+            </a:schemeClr>
+          </a:solidFill>
+        </p:spPr>
+        <p:style>
+          <a:lnRef idx="2">
+            <a:schemeClr val="accent1">
+              <a:shade val="50000"/>
+            </a:schemeClr>
+          </a:lnRef>
+          <a:fillRef idx="1">
+            <a:schemeClr val="accent1"/>
+          </a:fillRef>
+          <a:effectRef idx="0">
+            <a:schemeClr val="accent1"/>
+          </a:effectRef>
+          <a:fontRef idx="minor">
+            <a:schemeClr val="lt1"/>
+          </a:fontRef>
+        </p:style>
+        <p:txBody>
+          <a:bodyPr rtlCol="0" anchor="ctr"/>
+          <a:lstStyle/>
+          <a:p>
+            <a:pPr algn="ctr"/>
+            <a:r>
+              <a:rPr lang="en-US" altLang="zh-CN" dirty="0"/>
+              <a:t>.v</a:t>
+            </a:r>
+            <a:endParaRPr lang="zh-CN" altLang="en-US" dirty="0"/>
+          </a:p>
+        </p:txBody>
+      </p:sp>
+      <p:sp>
+        <p:nvSpPr>
+          <p:cNvPr id="56" name="流程图: 文档 55">
+            <a:extLst>
+              <a:ext uri="{FF2B5EF4-FFF2-40B4-BE49-F238E27FC236}">
+                <a16:creationId xmlns:a16="http://schemas.microsoft.com/office/drawing/2014/main" id="{8D696EDC-6152-461B-8595-E219BD71236B}"/>
+              </a:ext>
+            </a:extLst>
+          </p:cNvPr>
+          <p:cNvSpPr/>
+          <p:nvPr/>
+        </p:nvSpPr>
+        <p:spPr>
+          <a:xfrm>
+            <a:off x="9257651" y="2321407"/>
+            <a:ext cx="1162375" cy="484323"/>
+          </a:xfrm>
+          <a:prstGeom prst="flowChartDocument">
+            <a:avLst/>
+          </a:prstGeom>
+          <a:solidFill>
+            <a:schemeClr val="bg1">
+              <a:lumMod val="65000"/>
+            </a:schemeClr>
+          </a:solidFill>
+        </p:spPr>
+        <p:style>
+          <a:lnRef idx="2">
+            <a:schemeClr val="accent1">
+              <a:shade val="50000"/>
+            </a:schemeClr>
+          </a:lnRef>
+          <a:fillRef idx="1">
+            <a:schemeClr val="accent1"/>
+          </a:fillRef>
+          <a:effectRef idx="0">
+            <a:schemeClr val="accent1"/>
+          </a:effectRef>
+          <a:fontRef idx="minor">
+            <a:schemeClr val="lt1"/>
+          </a:fontRef>
+        </p:style>
+        <p:txBody>
+          <a:bodyPr rtlCol="0" anchor="ctr"/>
+          <a:lstStyle/>
+          <a:p>
+            <a:pPr algn="ctr"/>
+            <a:r>
+              <a:rPr lang="en-US" altLang="zh-CN" dirty="0"/>
+              <a:t>.</a:t>
+            </a:r>
+            <a:r>
+              <a:rPr lang="en-US" altLang="zh-CN" dirty="0" err="1"/>
+              <a:t>vhdl</a:t>
+            </a:r>
+            <a:endParaRPr lang="zh-CN" altLang="en-US" dirty="0"/>
+          </a:p>
+        </p:txBody>
+      </p:sp>
+      <mc:AlternateContent xmlns:mc="http://schemas.openxmlformats.org/markup-compatibility/2006">
+        <mc:Choice xmlns:a14="http://schemas.microsoft.com/office/drawing/2010/main" Requires="a14">
+          <p:sp>
+            <p:nvSpPr>
+              <p:cNvPr id="59" name="矩形: 圆角 58">
+                <a:extLst>
+                  <a:ext uri="{FF2B5EF4-FFF2-40B4-BE49-F238E27FC236}">
+                    <a16:creationId xmlns:a16="http://schemas.microsoft.com/office/drawing/2014/main" id="{20F6369C-E937-4667-B1DA-D131CD53EE5A}"/>
+                  </a:ext>
+                </a:extLst>
+              </p:cNvPr>
+              <p:cNvSpPr/>
+              <p:nvPr/>
+            </p:nvSpPr>
+            <p:spPr>
+              <a:xfrm>
+                <a:off x="7805974" y="3032744"/>
+                <a:ext cx="2614052" cy="406515"/>
+              </a:xfrm>
+              <a:prstGeom prst="roundRect">
+                <a:avLst/>
+              </a:prstGeom>
+              <a:solidFill>
+                <a:schemeClr val="bg1"/>
+              </a:solidFill>
+              <a:ln w="57150">
+                <a:solidFill>
+                  <a:schemeClr val="tx1">
+                    <a:lumMod val="75000"/>
+                    <a:lumOff val="25000"/>
+                  </a:schemeClr>
+                </a:solidFill>
+              </a:ln>
+            </p:spPr>
+            <p:style>
+              <a:lnRef idx="2">
+                <a:schemeClr val="accent1">
+                  <a:shade val="50000"/>
+                </a:schemeClr>
+              </a:lnRef>
+              <a:fillRef idx="1">
+                <a:schemeClr val="accent1"/>
+              </a:fillRef>
+              <a:effectRef idx="0">
+                <a:schemeClr val="accent1"/>
+              </a:effectRef>
+              <a:fontRef idx="minor">
+                <a:schemeClr val="lt1"/>
+              </a:fontRef>
+            </p:style>
+            <p:txBody>
+              <a:bodyPr rtlCol="0" anchor="ctr"/>
+              <a:lstStyle/>
+              <a:p>
+                <a:pPr algn="ctr"/>
+                <a:r>
+                  <a:rPr lang="en-US" altLang="zh-CN" dirty="0">
+                    <a:solidFill>
+                      <a:schemeClr val="tx1"/>
+                    </a:solidFill>
+                  </a:rPr>
+                  <a:t>For</a:t>
+                </a:r>
+                <a14:m>
+                  <m:oMath xmlns:m="http://schemas.openxmlformats.org/officeDocument/2006/math">
+                    <m:r>
+                      <a:rPr lang="en-US" altLang="zh-CN" b="0" i="0" smtClean="0">
+                        <a:solidFill>
+                          <a:schemeClr val="tx1"/>
+                        </a:solidFill>
+                        <a:latin typeface="Cambria Math" panose="02040503050406030204" pitchFamily="18" charset="0"/>
+                      </a:rPr>
+                      <m:t> </m:t>
+                    </m:r>
+                    <m:sSup>
+                      <m:sSupPr>
+                        <m:ctrlPr>
+                          <a:rPr lang="en-US" altLang="zh-CN" i="1" smtClean="0">
+                            <a:solidFill>
+                              <a:schemeClr val="tx1"/>
+                            </a:solidFill>
+                            <a:latin typeface="Cambria Math" panose="02040503050406030204" pitchFamily="18" charset="0"/>
+                          </a:rPr>
+                        </m:ctrlPr>
+                      </m:sSupPr>
+                      <m:e>
+                        <m:r>
+                          <a:rPr lang="en-US" altLang="zh-CN" b="0" i="0" smtClean="0">
+                            <a:solidFill>
+                              <a:schemeClr val="tx1"/>
+                            </a:solidFill>
+                            <a:latin typeface="Cambria Math" panose="02040503050406030204" pitchFamily="18" charset="0"/>
+                          </a:rPr>
+                          <m:t>3</m:t>
+                        </m:r>
+                      </m:e>
+                      <m:sup>
+                        <m:r>
+                          <m:rPr>
+                            <m:sty m:val="p"/>
+                          </m:rPr>
+                          <a:rPr lang="en-US" altLang="zh-CN" b="0" i="0" smtClean="0">
+                            <a:solidFill>
+                              <a:schemeClr val="tx1"/>
+                            </a:solidFill>
+                            <a:latin typeface="Cambria Math" panose="02040503050406030204" pitchFamily="18" charset="0"/>
+                          </a:rPr>
+                          <m:t>rd</m:t>
+                        </m:r>
+                      </m:sup>
+                    </m:sSup>
+                  </m:oMath>
+                </a14:m>
+                <a:r>
+                  <a:rPr lang="en-US" altLang="zh-CN" dirty="0">
+                    <a:solidFill>
+                      <a:schemeClr val="tx1"/>
+                    </a:solidFill>
+                  </a:rPr>
+                  <a:t> Simulation Tool</a:t>
+                </a:r>
+                <a:endParaRPr lang="zh-CN" altLang="en-US" dirty="0">
+                  <a:solidFill>
+                    <a:schemeClr val="tx1"/>
+                  </a:solidFill>
+                </a:endParaRPr>
+              </a:p>
+            </p:txBody>
+          </p:sp>
+        </mc:Choice>
+        <mc:Fallback>
+          <p:sp>
+            <p:nvSpPr>
+              <p:cNvPr id="59" name="矩形: 圆角 58">
+                <a:extLst>
+                  <a:ext uri="{FF2B5EF4-FFF2-40B4-BE49-F238E27FC236}">
+                    <a16:creationId xmlns:a16="http://schemas.microsoft.com/office/drawing/2014/main" id="{20F6369C-E937-4667-B1DA-D131CD53EE5A}"/>
+                  </a:ext>
+                </a:extLst>
+              </p:cNvPr>
+              <p:cNvSpPr>
+                <a:spLocks noRot="1" noChangeAspect="1" noMove="1" noResize="1" noEditPoints="1" noAdjustHandles="1" noChangeArrowheads="1" noChangeShapeType="1" noTextEdit="1"/>
+              </p:cNvSpPr>
+              <p:nvPr/>
+            </p:nvSpPr>
+            <p:spPr>
+              <a:xfrm>
+                <a:off x="7805974" y="3032744"/>
+                <a:ext cx="2614052" cy="406515"/>
+              </a:xfrm>
+              <a:prstGeom prst="roundRect">
+                <a:avLst/>
+              </a:prstGeom>
+              <a:blipFill>
+                <a:blip r:embed="rId2"/>
+                <a:stretch>
+                  <a:fillRect b="-11842"/>
+                </a:stretch>
+              </a:blipFill>
+              <a:ln w="57150">
+                <a:solidFill>
+                  <a:schemeClr val="tx1">
+                    <a:lumMod val="75000"/>
+                    <a:lumOff val="25000"/>
+                  </a:schemeClr>
+                </a:solidFill>
+              </a:ln>
+            </p:spPr>
+            <p:txBody>
+              <a:bodyPr/>
+              <a:lstStyle/>
+              <a:p>
+                <a:r>
+                  <a:rPr lang="zh-CN" altLang="en-US">
+                    <a:noFill/>
+                  </a:rPr>
+                  <a:t> </a:t>
+                </a:r>
+              </a:p>
+            </p:txBody>
+          </p:sp>
+        </mc:Fallback>
+      </mc:AlternateContent>
+      <mc:AlternateContent xmlns:mc="http://schemas.openxmlformats.org/markup-compatibility/2006">
+        <mc:Choice xmlns:a14="http://schemas.microsoft.com/office/drawing/2010/main" Requires="a14">
+          <p:sp>
+            <p:nvSpPr>
+              <p:cNvPr id="61" name="矩形: 圆角 60">
+                <a:extLst>
+                  <a:ext uri="{FF2B5EF4-FFF2-40B4-BE49-F238E27FC236}">
+                    <a16:creationId xmlns:a16="http://schemas.microsoft.com/office/drawing/2014/main" id="{E0748D85-C20E-4B14-BE3A-7968ED866D9A}"/>
+                  </a:ext>
+                </a:extLst>
+              </p:cNvPr>
+              <p:cNvSpPr/>
+              <p:nvPr/>
+            </p:nvSpPr>
+            <p:spPr>
+              <a:xfrm>
+                <a:off x="7805974" y="3733655"/>
+                <a:ext cx="2614052" cy="406515"/>
+              </a:xfrm>
+              <a:prstGeom prst="roundRect">
+                <a:avLst/>
+              </a:prstGeom>
+              <a:solidFill>
+                <a:schemeClr val="bg1"/>
+              </a:solidFill>
+              <a:ln w="57150">
+                <a:solidFill>
+                  <a:schemeClr val="tx1">
+                    <a:lumMod val="75000"/>
+                    <a:lumOff val="25000"/>
+                  </a:schemeClr>
+                </a:solidFill>
+              </a:ln>
+            </p:spPr>
+            <p:style>
+              <a:lnRef idx="2">
+                <a:schemeClr val="accent1">
+                  <a:shade val="50000"/>
+                </a:schemeClr>
+              </a:lnRef>
+              <a:fillRef idx="1">
+                <a:schemeClr val="accent1"/>
+              </a:fillRef>
+              <a:effectRef idx="0">
+                <a:schemeClr val="accent1"/>
+              </a:effectRef>
+              <a:fontRef idx="minor">
+                <a:schemeClr val="lt1"/>
+              </a:fontRef>
+            </p:style>
+            <p:txBody>
+              <a:bodyPr rtlCol="0" anchor="ctr"/>
+              <a:lstStyle/>
+              <a:p>
+                <a:pPr algn="ctr"/>
+                <a:r>
+                  <a:rPr lang="en-US" altLang="zh-CN" dirty="0">
+                    <a:solidFill>
+                      <a:schemeClr val="tx1"/>
+                    </a:solidFill>
+                  </a:rPr>
+                  <a:t>For</a:t>
+                </a:r>
+                <a14:m>
+                  <m:oMath xmlns:m="http://schemas.openxmlformats.org/officeDocument/2006/math">
+                    <m:r>
+                      <a:rPr lang="en-US" altLang="zh-CN" b="0" i="0" smtClean="0">
+                        <a:solidFill>
+                          <a:schemeClr val="tx1"/>
+                        </a:solidFill>
+                        <a:latin typeface="Cambria Math" panose="02040503050406030204" pitchFamily="18" charset="0"/>
+                      </a:rPr>
+                      <m:t> </m:t>
+                    </m:r>
+                    <m:sSup>
+                      <m:sSupPr>
+                        <m:ctrlPr>
+                          <a:rPr lang="en-US" altLang="zh-CN" i="1" smtClean="0">
+                            <a:solidFill>
+                              <a:schemeClr val="tx1"/>
+                            </a:solidFill>
+                            <a:latin typeface="Cambria Math" panose="02040503050406030204" pitchFamily="18" charset="0"/>
+                          </a:rPr>
+                        </m:ctrlPr>
+                      </m:sSupPr>
+                      <m:e>
+                        <m:r>
+                          <a:rPr lang="en-US" altLang="zh-CN" b="0" i="0" smtClean="0">
+                            <a:solidFill>
+                              <a:schemeClr val="tx1"/>
+                            </a:solidFill>
+                            <a:latin typeface="Cambria Math" panose="02040503050406030204" pitchFamily="18" charset="0"/>
+                          </a:rPr>
+                          <m:t>3</m:t>
+                        </m:r>
+                      </m:e>
+                      <m:sup>
+                        <m:r>
+                          <m:rPr>
+                            <m:sty m:val="p"/>
+                          </m:rPr>
+                          <a:rPr lang="en-US" altLang="zh-CN" b="0" i="0" smtClean="0">
+                            <a:solidFill>
+                              <a:schemeClr val="tx1"/>
+                            </a:solidFill>
+                            <a:latin typeface="Cambria Math" panose="02040503050406030204" pitchFamily="18" charset="0"/>
+                          </a:rPr>
+                          <m:t>rd</m:t>
+                        </m:r>
+                      </m:sup>
+                    </m:sSup>
+                  </m:oMath>
+                </a14:m>
+                <a:r>
+                  <a:rPr lang="en-US" altLang="zh-CN" dirty="0">
+                    <a:solidFill>
+                      <a:schemeClr val="tx1"/>
+                    </a:solidFill>
+                  </a:rPr>
+                  <a:t> Synthesis Tool</a:t>
+                </a:r>
+                <a:endParaRPr lang="zh-CN" altLang="en-US" dirty="0">
+                  <a:solidFill>
+                    <a:schemeClr val="tx1"/>
+                  </a:solidFill>
+                </a:endParaRPr>
+              </a:p>
+            </p:txBody>
+          </p:sp>
+        </mc:Choice>
+        <mc:Fallback>
+          <p:sp>
+            <p:nvSpPr>
+              <p:cNvPr id="61" name="矩形: 圆角 60">
+                <a:extLst>
+                  <a:ext uri="{FF2B5EF4-FFF2-40B4-BE49-F238E27FC236}">
+                    <a16:creationId xmlns:a16="http://schemas.microsoft.com/office/drawing/2014/main" id="{E0748D85-C20E-4B14-BE3A-7968ED866D9A}"/>
+                  </a:ext>
+                </a:extLst>
+              </p:cNvPr>
+              <p:cNvSpPr>
+                <a:spLocks noRot="1" noChangeAspect="1" noMove="1" noResize="1" noEditPoints="1" noAdjustHandles="1" noChangeArrowheads="1" noChangeShapeType="1" noTextEdit="1"/>
+              </p:cNvSpPr>
+              <p:nvPr/>
+            </p:nvSpPr>
+            <p:spPr>
+              <a:xfrm>
+                <a:off x="7805974" y="3733655"/>
+                <a:ext cx="2614052" cy="406515"/>
+              </a:xfrm>
+              <a:prstGeom prst="roundRect">
+                <a:avLst/>
+              </a:prstGeom>
+              <a:blipFill>
+                <a:blip r:embed="rId3"/>
+                <a:stretch>
+                  <a:fillRect b="-11842"/>
+                </a:stretch>
+              </a:blipFill>
+              <a:ln w="57150">
+                <a:solidFill>
+                  <a:schemeClr val="tx1">
+                    <a:lumMod val="75000"/>
+                    <a:lumOff val="25000"/>
+                  </a:schemeClr>
+                </a:solidFill>
+              </a:ln>
+            </p:spPr>
+            <p:txBody>
+              <a:bodyPr/>
+              <a:lstStyle/>
+              <a:p>
+                <a:r>
+                  <a:rPr lang="zh-CN" altLang="en-US">
+                    <a:noFill/>
+                  </a:rPr>
+                  <a:t> </a:t>
+                </a:r>
+              </a:p>
+            </p:txBody>
+          </p:sp>
+        </mc:Fallback>
+      </mc:AlternateContent>
+    </p:spTree>
+    <p:extLst>
+      <p:ext uri="{BB962C8B-B14F-4D97-AF65-F5344CB8AC3E}">
+        <p14:creationId xmlns:p14="http://schemas.microsoft.com/office/powerpoint/2010/main" val="3570377173"/>
       </p:ext>
     </p:extLst>
   </p:cSld>

--- a/_posts/Vivado入门/Vivado入门.pptx
+++ b/_posts/Vivado入门/Vivado入门.pptx
@@ -9,6 +9,8 @@
     <p:sldId id="257" r:id="rId3"/>
     <p:sldId id="258" r:id="rId4"/>
     <p:sldId id="259" r:id="rId5"/>
+    <p:sldId id="260" r:id="rId6"/>
+    <p:sldId id="261" r:id="rId7"/>
   </p:sldIdLst>
   <p:sldSz cx="12192000" cy="6858000"/>
   <p:notesSz cx="6858000" cy="9144000"/>
@@ -9875,8 +9877,8 @@
           </a:p>
         </p:txBody>
       </p:sp>
-      <mc:AlternateContent xmlns:mc="http://schemas.openxmlformats.org/markup-compatibility/2006">
-        <mc:Choice xmlns:a14="http://schemas.microsoft.com/office/drawing/2010/main" Requires="a14">
+      <mc:AlternateContent xmlns:mc="http://schemas.openxmlformats.org/markup-compatibility/2006" xmlns:a14="http://schemas.microsoft.com/office/drawing/2010/main">
+        <mc:Choice Requires="a14">
           <p:sp>
             <p:nvSpPr>
               <p:cNvPr id="59" name="矩形: 圆角 58">
@@ -10005,7 +10007,7 @@
             </p:txBody>
           </p:sp>
         </mc:Choice>
-        <mc:Fallback>
+        <mc:Fallback xmlns="">
           <p:sp>
             <p:nvSpPr>
               <p:cNvPr id="59" name="矩形: 圆角 58">
@@ -10058,8 +10060,8 @@
           </p:sp>
         </mc:Fallback>
       </mc:AlternateContent>
-      <mc:AlternateContent xmlns:mc="http://schemas.openxmlformats.org/markup-compatibility/2006">
-        <mc:Choice xmlns:a14="http://schemas.microsoft.com/office/drawing/2010/main" Requires="a14">
+      <mc:AlternateContent xmlns:mc="http://schemas.openxmlformats.org/markup-compatibility/2006" xmlns:a14="http://schemas.microsoft.com/office/drawing/2010/main">
+        <mc:Choice Requires="a14">
           <p:sp>
             <p:nvSpPr>
               <p:cNvPr id="61" name="矩形: 圆角 60">
@@ -10188,7 +10190,7 @@
             </p:txBody>
           </p:sp>
         </mc:Choice>
-        <mc:Fallback>
+        <mc:Fallback xmlns="">
           <p:sp>
             <p:nvSpPr>
               <p:cNvPr id="61" name="矩形: 圆角 60">
@@ -10245,6 +10247,1932 @@
     <p:extLst>
       <p:ext uri="{BB962C8B-B14F-4D97-AF65-F5344CB8AC3E}">
         <p14:creationId xmlns:p14="http://schemas.microsoft.com/office/powerpoint/2010/main" val="3570377173"/>
+      </p:ext>
+    </p:extLst>
+  </p:cSld>
+  <p:clrMapOvr>
+    <a:masterClrMapping/>
+  </p:clrMapOvr>
+</p:sld>
+</file>
+
+<file path=ppt/slides/slide5.xml><?xml version="1.0" encoding="utf-8"?>
+<p:sld xmlns:a="http://schemas.openxmlformats.org/drawingml/2006/main" xmlns:r="http://schemas.openxmlformats.org/officeDocument/2006/relationships" xmlns:p="http://schemas.openxmlformats.org/presentationml/2006/main">
+  <p:cSld>
+    <p:spTree>
+      <p:nvGrpSpPr>
+        <p:cNvPr id="1" name=""/>
+        <p:cNvGrpSpPr/>
+        <p:nvPr/>
+      </p:nvGrpSpPr>
+      <p:grpSpPr>
+        <a:xfrm>
+          <a:off x="0" y="0"/>
+          <a:ext cx="0" cy="0"/>
+          <a:chOff x="0" y="0"/>
+          <a:chExt cx="0" cy="0"/>
+        </a:xfrm>
+      </p:grpSpPr>
+      <p:sp>
+        <p:nvSpPr>
+          <p:cNvPr id="4" name="矩形: 圆角 3">
+            <a:extLst>
+              <a:ext uri="{FF2B5EF4-FFF2-40B4-BE49-F238E27FC236}">
+                <a16:creationId xmlns:a16="http://schemas.microsoft.com/office/drawing/2014/main" id="{D3496D7B-5402-4CE2-897A-9A1904088A11}"/>
+              </a:ext>
+            </a:extLst>
+          </p:cNvPr>
+          <p:cNvSpPr/>
+          <p:nvPr/>
+        </p:nvSpPr>
+        <p:spPr>
+          <a:xfrm>
+            <a:off x="3370882" y="1287325"/>
+            <a:ext cx="1747261" cy="3495515"/>
+          </a:xfrm>
+          <a:prstGeom prst="roundRect">
+            <a:avLst/>
+          </a:prstGeom>
+          <a:solidFill>
+            <a:srgbClr val="7030A0"/>
+          </a:solidFill>
+          <a:ln>
+            <a:solidFill>
+              <a:srgbClr val="7030A0"/>
+            </a:solidFill>
+          </a:ln>
+        </p:spPr>
+        <p:style>
+          <a:lnRef idx="2">
+            <a:schemeClr val="accent6">
+              <a:shade val="50000"/>
+            </a:schemeClr>
+          </a:lnRef>
+          <a:fillRef idx="1">
+            <a:schemeClr val="accent6"/>
+          </a:fillRef>
+          <a:effectRef idx="0">
+            <a:schemeClr val="accent6"/>
+          </a:effectRef>
+          <a:fontRef idx="minor">
+            <a:schemeClr val="lt1"/>
+          </a:fontRef>
+        </p:style>
+        <p:txBody>
+          <a:bodyPr rtlCol="0" anchor="ctr"/>
+          <a:lstStyle/>
+          <a:p>
+            <a:pPr algn="ctr"/>
+            <a:r>
+              <a:rPr lang="en-US" altLang="zh-CN" dirty="0"/>
+              <a:t>IP Packager</a:t>
+            </a:r>
+            <a:endParaRPr lang="zh-CN" altLang="en-US" dirty="0"/>
+          </a:p>
+        </p:txBody>
+      </p:sp>
+      <p:sp>
+        <p:nvSpPr>
+          <p:cNvPr id="6" name="圆柱体 5">
+            <a:extLst>
+              <a:ext uri="{FF2B5EF4-FFF2-40B4-BE49-F238E27FC236}">
+                <a16:creationId xmlns:a16="http://schemas.microsoft.com/office/drawing/2014/main" id="{5D4FD5BD-DDCF-4C03-8893-6BECB2AC9D12}"/>
+              </a:ext>
+            </a:extLst>
+          </p:cNvPr>
+          <p:cNvSpPr/>
+          <p:nvPr/>
+        </p:nvSpPr>
+        <p:spPr>
+          <a:xfrm>
+            <a:off x="6556902" y="3351508"/>
+            <a:ext cx="1655910" cy="515913"/>
+          </a:xfrm>
+          <a:prstGeom prst="can">
+            <a:avLst/>
+          </a:prstGeom>
+          <a:solidFill>
+            <a:srgbClr val="C00000"/>
+          </a:solidFill>
+        </p:spPr>
+        <p:style>
+          <a:lnRef idx="2">
+            <a:schemeClr val="accent1">
+              <a:shade val="50000"/>
+            </a:schemeClr>
+          </a:lnRef>
+          <a:fillRef idx="1">
+            <a:schemeClr val="accent1"/>
+          </a:fillRef>
+          <a:effectRef idx="0">
+            <a:schemeClr val="accent1"/>
+          </a:effectRef>
+          <a:fontRef idx="minor">
+            <a:schemeClr val="lt1"/>
+          </a:fontRef>
+        </p:style>
+        <p:txBody>
+          <a:bodyPr rtlCol="0" anchor="ctr"/>
+          <a:lstStyle/>
+          <a:p>
+            <a:pPr algn="ctr"/>
+            <a:r>
+              <a:rPr lang="en-US" altLang="zh-CN" dirty="0"/>
+              <a:t>User IP</a:t>
+            </a:r>
+            <a:endParaRPr lang="zh-CN" altLang="en-US" dirty="0"/>
+          </a:p>
+        </p:txBody>
+      </p:sp>
+      <mc:AlternateContent xmlns:mc="http://schemas.openxmlformats.org/markup-compatibility/2006">
+        <mc:Choice xmlns:a14="http://schemas.microsoft.com/office/drawing/2010/main" Requires="a14">
+          <p:sp>
+            <p:nvSpPr>
+              <p:cNvPr id="8" name="圆柱体 7">
+                <a:extLst>
+                  <a:ext uri="{FF2B5EF4-FFF2-40B4-BE49-F238E27FC236}">
+                    <a16:creationId xmlns:a16="http://schemas.microsoft.com/office/drawing/2014/main" id="{79EA92E3-48BA-4B35-859A-33F52D5093DC}"/>
+                  </a:ext>
+                </a:extLst>
+              </p:cNvPr>
+              <p:cNvSpPr/>
+              <p:nvPr/>
+            </p:nvSpPr>
+            <p:spPr>
+              <a:xfrm>
+                <a:off x="6556902" y="2965341"/>
+                <a:ext cx="1655910" cy="515913"/>
+              </a:xfrm>
+              <a:prstGeom prst="can">
+                <a:avLst/>
+              </a:prstGeom>
+              <a:solidFill>
+                <a:srgbClr val="C00000"/>
+              </a:solidFill>
+            </p:spPr>
+            <p:style>
+              <a:lnRef idx="2">
+                <a:schemeClr val="accent1">
+                  <a:shade val="50000"/>
+                </a:schemeClr>
+              </a:lnRef>
+              <a:fillRef idx="1">
+                <a:schemeClr val="accent1"/>
+              </a:fillRef>
+              <a:effectRef idx="0">
+                <a:schemeClr val="accent1"/>
+              </a:effectRef>
+              <a:fontRef idx="minor">
+                <a:schemeClr val="lt1"/>
+              </a:fontRef>
+            </p:style>
+            <p:txBody>
+              <a:bodyPr rtlCol="0" anchor="ctr"/>
+              <a:lstStyle/>
+              <a:p>
+                <a:pPr algn="ctr"/>
+                <a14:m>
+                  <m:oMath xmlns:m="http://schemas.openxmlformats.org/officeDocument/2006/math">
+                    <m:sSup>
+                      <m:sSupPr>
+                        <m:ctrlPr>
+                          <a:rPr lang="en-US" altLang="zh-CN" i="1" dirty="0" smtClean="0">
+                            <a:latin typeface="Cambria Math" panose="02040503050406030204" pitchFamily="18" charset="0"/>
+                          </a:rPr>
+                        </m:ctrlPr>
+                      </m:sSupPr>
+                      <m:e>
+                        <m:r>
+                          <a:rPr lang="en-US" altLang="zh-CN" b="0" i="1" dirty="0" smtClean="0">
+                            <a:latin typeface="Cambria Math" panose="02040503050406030204" pitchFamily="18" charset="0"/>
+                          </a:rPr>
+                          <m:t>3</m:t>
+                        </m:r>
+                      </m:e>
+                      <m:sup>
+                        <m:r>
+                          <m:rPr>
+                            <m:sty m:val="p"/>
+                          </m:rPr>
+                          <a:rPr lang="en-US" altLang="zh-CN" i="1" dirty="0">
+                            <a:latin typeface="Cambria Math" panose="02040503050406030204" pitchFamily="18" charset="0"/>
+                          </a:rPr>
+                          <m:t>rd</m:t>
+                        </m:r>
+                      </m:sup>
+                    </m:sSup>
+                  </m:oMath>
+                </a14:m>
+                <a:r>
+                  <a:rPr lang="en-US" altLang="zh-CN" dirty="0"/>
+                  <a:t> Party IP</a:t>
+                </a:r>
+                <a:endParaRPr lang="zh-CN" altLang="en-US" dirty="0"/>
+              </a:p>
+            </p:txBody>
+          </p:sp>
+        </mc:Choice>
+        <mc:Fallback>
+          <p:sp>
+            <p:nvSpPr>
+              <p:cNvPr id="8" name="圆柱体 7">
+                <a:extLst>
+                  <a:ext uri="{FF2B5EF4-FFF2-40B4-BE49-F238E27FC236}">
+                    <a16:creationId xmlns:a16="http://schemas.microsoft.com/office/drawing/2014/main" id="{79EA92E3-48BA-4B35-859A-33F52D5093DC}"/>
+                  </a:ext>
+                </a:extLst>
+              </p:cNvPr>
+              <p:cNvSpPr>
+                <a:spLocks noRot="1" noChangeAspect="1" noMove="1" noResize="1" noEditPoints="1" noAdjustHandles="1" noChangeArrowheads="1" noChangeShapeType="1" noTextEdit="1"/>
+              </p:cNvSpPr>
+              <p:nvPr/>
+            </p:nvSpPr>
+            <p:spPr>
+              <a:xfrm>
+                <a:off x="6556902" y="2965341"/>
+                <a:ext cx="1655910" cy="515913"/>
+              </a:xfrm>
+              <a:prstGeom prst="can">
+                <a:avLst/>
+              </a:prstGeom>
+              <a:blipFill>
+                <a:blip r:embed="rId2"/>
+                <a:stretch>
+                  <a:fillRect b="-10345"/>
+                </a:stretch>
+              </a:blipFill>
+            </p:spPr>
+            <p:txBody>
+              <a:bodyPr/>
+              <a:lstStyle/>
+              <a:p>
+                <a:r>
+                  <a:rPr lang="zh-CN" altLang="en-US">
+                    <a:noFill/>
+                  </a:rPr>
+                  <a:t> </a:t>
+                </a:r>
+              </a:p>
+            </p:txBody>
+          </p:sp>
+        </mc:Fallback>
+      </mc:AlternateContent>
+      <p:sp>
+        <p:nvSpPr>
+          <p:cNvPr id="10" name="圆柱体 9">
+            <a:extLst>
+              <a:ext uri="{FF2B5EF4-FFF2-40B4-BE49-F238E27FC236}">
+                <a16:creationId xmlns:a16="http://schemas.microsoft.com/office/drawing/2014/main" id="{86020008-259B-4B65-A182-2A240C9FF365}"/>
+              </a:ext>
+            </a:extLst>
+          </p:cNvPr>
+          <p:cNvSpPr/>
+          <p:nvPr/>
+        </p:nvSpPr>
+        <p:spPr>
+          <a:xfrm>
+            <a:off x="6556902" y="2579174"/>
+            <a:ext cx="1655910" cy="515913"/>
+          </a:xfrm>
+          <a:prstGeom prst="can">
+            <a:avLst/>
+          </a:prstGeom>
+          <a:solidFill>
+            <a:srgbClr val="C00000"/>
+          </a:solidFill>
+        </p:spPr>
+        <p:style>
+          <a:lnRef idx="2">
+            <a:schemeClr val="accent1">
+              <a:shade val="50000"/>
+            </a:schemeClr>
+          </a:lnRef>
+          <a:fillRef idx="1">
+            <a:schemeClr val="accent1"/>
+          </a:fillRef>
+          <a:effectRef idx="0">
+            <a:schemeClr val="accent1"/>
+          </a:effectRef>
+          <a:fontRef idx="minor">
+            <a:schemeClr val="lt1"/>
+          </a:fontRef>
+        </p:style>
+        <p:txBody>
+          <a:bodyPr rtlCol="0" anchor="ctr"/>
+          <a:lstStyle/>
+          <a:p>
+            <a:pPr algn="ctr"/>
+            <a:r>
+              <a:rPr lang="en-US" altLang="zh-CN" dirty="0"/>
+              <a:t>Xilinx IP</a:t>
+            </a:r>
+            <a:endParaRPr lang="zh-CN" altLang="en-US" dirty="0"/>
+          </a:p>
+        </p:txBody>
+      </p:sp>
+      <p:sp>
+        <p:nvSpPr>
+          <p:cNvPr id="12" name="圆柱体 11">
+            <a:extLst>
+              <a:ext uri="{FF2B5EF4-FFF2-40B4-BE49-F238E27FC236}">
+                <a16:creationId xmlns:a16="http://schemas.microsoft.com/office/drawing/2014/main" id="{8CD8BB9B-A3A9-425E-A97E-4DB19ECC45AF}"/>
+              </a:ext>
+            </a:extLst>
+          </p:cNvPr>
+          <p:cNvSpPr/>
+          <p:nvPr/>
+        </p:nvSpPr>
+        <p:spPr>
+          <a:xfrm>
+            <a:off x="6556902" y="2193007"/>
+            <a:ext cx="1655910" cy="515913"/>
+          </a:xfrm>
+          <a:prstGeom prst="can">
+            <a:avLst/>
+          </a:prstGeom>
+          <a:solidFill>
+            <a:schemeClr val="accent6">
+              <a:lumMod val="75000"/>
+            </a:schemeClr>
+          </a:solidFill>
+        </p:spPr>
+        <p:style>
+          <a:lnRef idx="2">
+            <a:schemeClr val="accent1">
+              <a:shade val="50000"/>
+            </a:schemeClr>
+          </a:lnRef>
+          <a:fillRef idx="1">
+            <a:schemeClr val="accent1"/>
+          </a:fillRef>
+          <a:effectRef idx="0">
+            <a:schemeClr val="accent1"/>
+          </a:effectRef>
+          <a:fontRef idx="minor">
+            <a:schemeClr val="lt1"/>
+          </a:fontRef>
+        </p:style>
+        <p:txBody>
+          <a:bodyPr rtlCol="0" anchor="ctr"/>
+          <a:lstStyle/>
+          <a:p>
+            <a:pPr algn="ctr"/>
+            <a:r>
+              <a:rPr lang="en-US" altLang="zh-CN" dirty="0"/>
+              <a:t>IP Catalog</a:t>
+            </a:r>
+            <a:endParaRPr lang="zh-CN" altLang="en-US" dirty="0"/>
+          </a:p>
+        </p:txBody>
+      </p:sp>
+      <p:sp>
+        <p:nvSpPr>
+          <p:cNvPr id="13" name="矩形: 棱台 12">
+            <a:extLst>
+              <a:ext uri="{FF2B5EF4-FFF2-40B4-BE49-F238E27FC236}">
+                <a16:creationId xmlns:a16="http://schemas.microsoft.com/office/drawing/2014/main" id="{2E93DBAC-64DB-45C3-A31D-1366923B1848}"/>
+              </a:ext>
+            </a:extLst>
+          </p:cNvPr>
+          <p:cNvSpPr/>
+          <p:nvPr/>
+        </p:nvSpPr>
+        <p:spPr>
+          <a:xfrm>
+            <a:off x="9651571" y="2400268"/>
+            <a:ext cx="1260000" cy="1260000"/>
+          </a:xfrm>
+          <a:prstGeom prst="bevel">
+            <a:avLst/>
+          </a:prstGeom>
+        </p:spPr>
+        <p:style>
+          <a:lnRef idx="2">
+            <a:schemeClr val="accent1">
+              <a:shade val="50000"/>
+            </a:schemeClr>
+          </a:lnRef>
+          <a:fillRef idx="1">
+            <a:schemeClr val="accent1"/>
+          </a:fillRef>
+          <a:effectRef idx="0">
+            <a:schemeClr val="accent1"/>
+          </a:effectRef>
+          <a:fontRef idx="minor">
+            <a:schemeClr val="lt1"/>
+          </a:fontRef>
+        </p:style>
+        <p:txBody>
+          <a:bodyPr rtlCol="0" anchor="ctr"/>
+          <a:lstStyle/>
+          <a:p>
+            <a:pPr algn="ctr"/>
+            <a:r>
+              <a:rPr lang="en-US" altLang="zh-CN" dirty="0"/>
+              <a:t>User</a:t>
+            </a:r>
+          </a:p>
+          <a:p>
+            <a:pPr algn="ctr"/>
+            <a:r>
+              <a:rPr lang="en-US" altLang="zh-CN" dirty="0"/>
+              <a:t>Design</a:t>
+            </a:r>
+            <a:endParaRPr lang="zh-CN" altLang="en-US" dirty="0"/>
+          </a:p>
+        </p:txBody>
+      </p:sp>
+      <p:sp>
+        <p:nvSpPr>
+          <p:cNvPr id="15" name="文本框 14">
+            <a:extLst>
+              <a:ext uri="{FF2B5EF4-FFF2-40B4-BE49-F238E27FC236}">
+                <a16:creationId xmlns:a16="http://schemas.microsoft.com/office/drawing/2014/main" id="{CA525AFD-595E-42B4-94F9-08F14A01573F}"/>
+              </a:ext>
+            </a:extLst>
+          </p:cNvPr>
+          <p:cNvSpPr txBox="1"/>
+          <p:nvPr/>
+        </p:nvSpPr>
+        <p:spPr>
+          <a:xfrm>
+            <a:off x="155312" y="1699801"/>
+            <a:ext cx="2270173" cy="2585323"/>
+          </a:xfrm>
+          <a:prstGeom prst="rect">
+            <a:avLst/>
+          </a:prstGeom>
+          <a:noFill/>
+        </p:spPr>
+        <p:txBody>
+          <a:bodyPr wrap="none" rtlCol="0">
+            <a:spAutoFit/>
+          </a:bodyPr>
+          <a:lstStyle/>
+          <a:p>
+            <a:r>
+              <a:rPr lang="en-US" altLang="zh-CN" dirty="0"/>
+              <a:t>Source</a:t>
+            </a:r>
+            <a:r>
+              <a:rPr lang="zh-CN" altLang="en-US" dirty="0"/>
+              <a:t>（</a:t>
+            </a:r>
+            <a:r>
+              <a:rPr lang="en-US" altLang="zh-CN" dirty="0" err="1"/>
+              <a:t>RTL,IP,etc</a:t>
+            </a:r>
+            <a:r>
+              <a:rPr lang="zh-CN" altLang="en-US" dirty="0"/>
+              <a:t>）</a:t>
+            </a:r>
+            <a:endParaRPr lang="en-US" altLang="zh-CN" dirty="0"/>
+          </a:p>
+          <a:p>
+            <a:endParaRPr lang="en-US" altLang="zh-CN" dirty="0"/>
+          </a:p>
+          <a:p>
+            <a:r>
+              <a:rPr lang="en-US" altLang="zh-CN" dirty="0"/>
+              <a:t>Simulation Module</a:t>
+            </a:r>
+          </a:p>
+          <a:p>
+            <a:endParaRPr lang="en-US" altLang="zh-CN" dirty="0"/>
+          </a:p>
+          <a:p>
+            <a:r>
+              <a:rPr lang="en-US" altLang="zh-CN" dirty="0"/>
+              <a:t>Doc</a:t>
+            </a:r>
+          </a:p>
+          <a:p>
+            <a:endParaRPr lang="en-US" altLang="zh-CN" dirty="0"/>
+          </a:p>
+          <a:p>
+            <a:r>
+              <a:rPr lang="en-US" altLang="zh-CN" dirty="0"/>
+              <a:t>Example Design</a:t>
+            </a:r>
+          </a:p>
+          <a:p>
+            <a:endParaRPr lang="en-US" altLang="zh-CN" dirty="0"/>
+          </a:p>
+          <a:p>
+            <a:r>
+              <a:rPr lang="en-US" altLang="zh-CN" dirty="0"/>
+              <a:t>Testbench</a:t>
+            </a:r>
+            <a:endParaRPr lang="zh-CN" altLang="en-US" dirty="0"/>
+          </a:p>
+        </p:txBody>
+      </p:sp>
+      <p:cxnSp>
+        <p:nvCxnSpPr>
+          <p:cNvPr id="18" name="直接箭头连接符 17">
+            <a:extLst>
+              <a:ext uri="{FF2B5EF4-FFF2-40B4-BE49-F238E27FC236}">
+                <a16:creationId xmlns:a16="http://schemas.microsoft.com/office/drawing/2014/main" id="{FBE1C125-AAE3-4CBF-A47A-436D506765E8}"/>
+              </a:ext>
+            </a:extLst>
+          </p:cNvPr>
+          <p:cNvCxnSpPr>
+            <a:cxnSpLocks/>
+          </p:cNvCxnSpPr>
+          <p:nvPr/>
+        </p:nvCxnSpPr>
+        <p:spPr>
+          <a:xfrm>
+            <a:off x="2406113" y="1894667"/>
+            <a:ext cx="964769" cy="0"/>
+          </a:xfrm>
+          <a:prstGeom prst="straightConnector1">
+            <a:avLst/>
+          </a:prstGeom>
+          <a:ln>
+            <a:tailEnd type="triangle"/>
+          </a:ln>
+        </p:spPr>
+        <p:style>
+          <a:lnRef idx="3">
+            <a:schemeClr val="dk1"/>
+          </a:lnRef>
+          <a:fillRef idx="0">
+            <a:schemeClr val="dk1"/>
+          </a:fillRef>
+          <a:effectRef idx="2">
+            <a:schemeClr val="dk1"/>
+          </a:effectRef>
+          <a:fontRef idx="minor">
+            <a:schemeClr val="tx1"/>
+          </a:fontRef>
+        </p:style>
+      </p:cxnSp>
+      <p:cxnSp>
+        <p:nvCxnSpPr>
+          <p:cNvPr id="39" name="直接箭头连接符 38">
+            <a:extLst>
+              <a:ext uri="{FF2B5EF4-FFF2-40B4-BE49-F238E27FC236}">
+                <a16:creationId xmlns:a16="http://schemas.microsoft.com/office/drawing/2014/main" id="{43E4BF61-B3D3-43F7-9208-672DF3BDD924}"/>
+              </a:ext>
+            </a:extLst>
+          </p:cNvPr>
+          <p:cNvCxnSpPr>
+            <a:cxnSpLocks/>
+          </p:cNvCxnSpPr>
+          <p:nvPr/>
+        </p:nvCxnSpPr>
+        <p:spPr>
+          <a:xfrm>
+            <a:off x="2406113" y="2442274"/>
+            <a:ext cx="964769" cy="0"/>
+          </a:xfrm>
+          <a:prstGeom prst="straightConnector1">
+            <a:avLst/>
+          </a:prstGeom>
+          <a:ln>
+            <a:tailEnd type="triangle"/>
+          </a:ln>
+        </p:spPr>
+        <p:style>
+          <a:lnRef idx="3">
+            <a:schemeClr val="dk1"/>
+          </a:lnRef>
+          <a:fillRef idx="0">
+            <a:schemeClr val="dk1"/>
+          </a:fillRef>
+          <a:effectRef idx="2">
+            <a:schemeClr val="dk1"/>
+          </a:effectRef>
+          <a:fontRef idx="minor">
+            <a:schemeClr val="tx1"/>
+          </a:fontRef>
+        </p:style>
+      </p:cxnSp>
+      <p:cxnSp>
+        <p:nvCxnSpPr>
+          <p:cNvPr id="40" name="直接箭头连接符 39">
+            <a:extLst>
+              <a:ext uri="{FF2B5EF4-FFF2-40B4-BE49-F238E27FC236}">
+                <a16:creationId xmlns:a16="http://schemas.microsoft.com/office/drawing/2014/main" id="{FB105DD8-23E0-48BB-B7D2-7DB21767385E}"/>
+              </a:ext>
+            </a:extLst>
+          </p:cNvPr>
+          <p:cNvCxnSpPr>
+            <a:cxnSpLocks/>
+          </p:cNvCxnSpPr>
+          <p:nvPr/>
+        </p:nvCxnSpPr>
+        <p:spPr>
+          <a:xfrm>
+            <a:off x="2406113" y="2989881"/>
+            <a:ext cx="964769" cy="0"/>
+          </a:xfrm>
+          <a:prstGeom prst="straightConnector1">
+            <a:avLst/>
+          </a:prstGeom>
+          <a:ln>
+            <a:tailEnd type="triangle"/>
+          </a:ln>
+        </p:spPr>
+        <p:style>
+          <a:lnRef idx="3">
+            <a:schemeClr val="dk1"/>
+          </a:lnRef>
+          <a:fillRef idx="0">
+            <a:schemeClr val="dk1"/>
+          </a:fillRef>
+          <a:effectRef idx="2">
+            <a:schemeClr val="dk1"/>
+          </a:effectRef>
+          <a:fontRef idx="minor">
+            <a:schemeClr val="tx1"/>
+          </a:fontRef>
+        </p:style>
+      </p:cxnSp>
+      <p:cxnSp>
+        <p:nvCxnSpPr>
+          <p:cNvPr id="41" name="直接箭头连接符 40">
+            <a:extLst>
+              <a:ext uri="{FF2B5EF4-FFF2-40B4-BE49-F238E27FC236}">
+                <a16:creationId xmlns:a16="http://schemas.microsoft.com/office/drawing/2014/main" id="{A00C91A1-DA82-4F0A-9750-C1415CD372B5}"/>
+              </a:ext>
+            </a:extLst>
+          </p:cNvPr>
+          <p:cNvCxnSpPr>
+            <a:cxnSpLocks/>
+          </p:cNvCxnSpPr>
+          <p:nvPr/>
+        </p:nvCxnSpPr>
+        <p:spPr>
+          <a:xfrm>
+            <a:off x="2406113" y="3537488"/>
+            <a:ext cx="964769" cy="0"/>
+          </a:xfrm>
+          <a:prstGeom prst="straightConnector1">
+            <a:avLst/>
+          </a:prstGeom>
+          <a:ln>
+            <a:tailEnd type="triangle"/>
+          </a:ln>
+        </p:spPr>
+        <p:style>
+          <a:lnRef idx="3">
+            <a:schemeClr val="dk1"/>
+          </a:lnRef>
+          <a:fillRef idx="0">
+            <a:schemeClr val="dk1"/>
+          </a:fillRef>
+          <a:effectRef idx="2">
+            <a:schemeClr val="dk1"/>
+          </a:effectRef>
+          <a:fontRef idx="minor">
+            <a:schemeClr val="tx1"/>
+          </a:fontRef>
+        </p:style>
+      </p:cxnSp>
+      <p:cxnSp>
+        <p:nvCxnSpPr>
+          <p:cNvPr id="43" name="直接箭头连接符 42">
+            <a:extLst>
+              <a:ext uri="{FF2B5EF4-FFF2-40B4-BE49-F238E27FC236}">
+                <a16:creationId xmlns:a16="http://schemas.microsoft.com/office/drawing/2014/main" id="{52081ADC-0FA8-4A06-97FF-C8FE1EB785C9}"/>
+              </a:ext>
+            </a:extLst>
+          </p:cNvPr>
+          <p:cNvCxnSpPr>
+            <a:cxnSpLocks/>
+          </p:cNvCxnSpPr>
+          <p:nvPr/>
+        </p:nvCxnSpPr>
+        <p:spPr>
+          <a:xfrm>
+            <a:off x="2406113" y="4085095"/>
+            <a:ext cx="964769" cy="0"/>
+          </a:xfrm>
+          <a:prstGeom prst="straightConnector1">
+            <a:avLst/>
+          </a:prstGeom>
+          <a:ln>
+            <a:tailEnd type="triangle"/>
+          </a:ln>
+        </p:spPr>
+        <p:style>
+          <a:lnRef idx="3">
+            <a:schemeClr val="dk1"/>
+          </a:lnRef>
+          <a:fillRef idx="0">
+            <a:schemeClr val="dk1"/>
+          </a:fillRef>
+          <a:effectRef idx="2">
+            <a:schemeClr val="dk1"/>
+          </a:effectRef>
+          <a:fontRef idx="minor">
+            <a:schemeClr val="tx1"/>
+          </a:fontRef>
+        </p:style>
+      </p:cxnSp>
+      <p:sp>
+        <p:nvSpPr>
+          <p:cNvPr id="20" name="箭头: 右 19">
+            <a:extLst>
+              <a:ext uri="{FF2B5EF4-FFF2-40B4-BE49-F238E27FC236}">
+                <a16:creationId xmlns:a16="http://schemas.microsoft.com/office/drawing/2014/main" id="{F045EA71-840C-4509-B0ED-4C84CE9135ED}"/>
+              </a:ext>
+            </a:extLst>
+          </p:cNvPr>
+          <p:cNvSpPr/>
+          <p:nvPr/>
+        </p:nvSpPr>
+        <p:spPr>
+          <a:xfrm>
+            <a:off x="5118142" y="2787952"/>
+            <a:ext cx="1438759" cy="484632"/>
+          </a:xfrm>
+          <a:prstGeom prst="rightArrow">
+            <a:avLst/>
+          </a:prstGeom>
+        </p:spPr>
+        <p:style>
+          <a:lnRef idx="2">
+            <a:schemeClr val="accent1">
+              <a:shade val="50000"/>
+            </a:schemeClr>
+          </a:lnRef>
+          <a:fillRef idx="1">
+            <a:schemeClr val="accent1"/>
+          </a:fillRef>
+          <a:effectRef idx="0">
+            <a:schemeClr val="accent1"/>
+          </a:effectRef>
+          <a:fontRef idx="minor">
+            <a:schemeClr val="lt1"/>
+          </a:fontRef>
+        </p:style>
+        <p:txBody>
+          <a:bodyPr rtlCol="0" anchor="ctr"/>
+          <a:lstStyle/>
+          <a:p>
+            <a:pPr algn="ctr"/>
+            <a:endParaRPr lang="zh-CN" altLang="en-US"/>
+          </a:p>
+        </p:txBody>
+      </p:sp>
+      <p:sp>
+        <p:nvSpPr>
+          <p:cNvPr id="21" name="箭头: 右 20">
+            <a:extLst>
+              <a:ext uri="{FF2B5EF4-FFF2-40B4-BE49-F238E27FC236}">
+                <a16:creationId xmlns:a16="http://schemas.microsoft.com/office/drawing/2014/main" id="{CD4CBFB4-3987-4E7F-84D6-ACD34A423F1F}"/>
+              </a:ext>
+            </a:extLst>
+          </p:cNvPr>
+          <p:cNvSpPr/>
+          <p:nvPr/>
+        </p:nvSpPr>
+        <p:spPr>
+          <a:xfrm>
+            <a:off x="8212812" y="2778182"/>
+            <a:ext cx="1438759" cy="484632"/>
+          </a:xfrm>
+          <a:prstGeom prst="rightArrow">
+            <a:avLst/>
+          </a:prstGeom>
+        </p:spPr>
+        <p:style>
+          <a:lnRef idx="2">
+            <a:schemeClr val="accent1">
+              <a:shade val="50000"/>
+            </a:schemeClr>
+          </a:lnRef>
+          <a:fillRef idx="1">
+            <a:schemeClr val="accent1"/>
+          </a:fillRef>
+          <a:effectRef idx="0">
+            <a:schemeClr val="accent1"/>
+          </a:effectRef>
+          <a:fontRef idx="minor">
+            <a:schemeClr val="lt1"/>
+          </a:fontRef>
+        </p:style>
+        <p:txBody>
+          <a:bodyPr rtlCol="0" anchor="ctr"/>
+          <a:lstStyle/>
+          <a:p>
+            <a:pPr algn="ctr"/>
+            <a:endParaRPr lang="zh-CN" altLang="en-US"/>
+          </a:p>
+        </p:txBody>
+      </p:sp>
+      <p:cxnSp>
+        <p:nvCxnSpPr>
+          <p:cNvPr id="23" name="连接符: 肘形 22">
+            <a:extLst>
+              <a:ext uri="{FF2B5EF4-FFF2-40B4-BE49-F238E27FC236}">
+                <a16:creationId xmlns:a16="http://schemas.microsoft.com/office/drawing/2014/main" id="{08EE3338-14D3-47C8-A2FF-94B60B3D0A22}"/>
+              </a:ext>
+            </a:extLst>
+          </p:cNvPr>
+          <p:cNvCxnSpPr>
+            <a:cxnSpLocks/>
+            <a:stCxn id="13" idx="2"/>
+            <a:endCxn id="4" idx="2"/>
+          </p:cNvCxnSpPr>
+          <p:nvPr/>
+        </p:nvCxnSpPr>
+        <p:spPr>
+          <a:xfrm rot="5400000">
+            <a:off x="6701756" y="1203025"/>
+            <a:ext cx="1122572" cy="6037058"/>
+          </a:xfrm>
+          <a:prstGeom prst="bentConnector3">
+            <a:avLst>
+              <a:gd name="adj1" fmla="val 120364"/>
+            </a:avLst>
+          </a:prstGeom>
+          <a:ln>
+            <a:tailEnd type="triangle"/>
+          </a:ln>
+        </p:spPr>
+        <p:style>
+          <a:lnRef idx="3">
+            <a:schemeClr val="dk1"/>
+          </a:lnRef>
+          <a:fillRef idx="0">
+            <a:schemeClr val="dk1"/>
+          </a:fillRef>
+          <a:effectRef idx="2">
+            <a:schemeClr val="dk1"/>
+          </a:effectRef>
+          <a:fontRef idx="minor">
+            <a:schemeClr val="tx1"/>
+          </a:fontRef>
+        </p:style>
+      </p:cxnSp>
+      <p:sp>
+        <p:nvSpPr>
+          <p:cNvPr id="27" name="箭头: 右 26">
+            <a:extLst>
+              <a:ext uri="{FF2B5EF4-FFF2-40B4-BE49-F238E27FC236}">
+                <a16:creationId xmlns:a16="http://schemas.microsoft.com/office/drawing/2014/main" id="{4D6115C9-3AF5-4EBF-BD81-F2C09DF741BD}"/>
+              </a:ext>
+            </a:extLst>
+          </p:cNvPr>
+          <p:cNvSpPr/>
+          <p:nvPr/>
+        </p:nvSpPr>
+        <p:spPr>
+          <a:xfrm rot="5400000">
+            <a:off x="9931338" y="1807720"/>
+            <a:ext cx="700466" cy="484632"/>
+          </a:xfrm>
+          <a:prstGeom prst="rightArrow">
+            <a:avLst/>
+          </a:prstGeom>
+        </p:spPr>
+        <p:style>
+          <a:lnRef idx="2">
+            <a:schemeClr val="accent1">
+              <a:shade val="50000"/>
+            </a:schemeClr>
+          </a:lnRef>
+          <a:fillRef idx="1">
+            <a:schemeClr val="accent1"/>
+          </a:fillRef>
+          <a:effectRef idx="0">
+            <a:schemeClr val="accent1"/>
+          </a:effectRef>
+          <a:fontRef idx="minor">
+            <a:schemeClr val="lt1"/>
+          </a:fontRef>
+        </p:style>
+        <p:txBody>
+          <a:bodyPr rtlCol="0" anchor="ctr"/>
+          <a:lstStyle/>
+          <a:p>
+            <a:pPr algn="ctr"/>
+            <a:endParaRPr lang="zh-CN" altLang="en-US"/>
+          </a:p>
+        </p:txBody>
+      </p:sp>
+      <p:sp>
+        <p:nvSpPr>
+          <p:cNvPr id="31" name="矩形: 圆角 30">
+            <a:extLst>
+              <a:ext uri="{FF2B5EF4-FFF2-40B4-BE49-F238E27FC236}">
+                <a16:creationId xmlns:a16="http://schemas.microsoft.com/office/drawing/2014/main" id="{53EED9F4-E1BE-4377-86E1-CAA79ED48355}"/>
+              </a:ext>
+            </a:extLst>
+          </p:cNvPr>
+          <p:cNvSpPr/>
+          <p:nvPr/>
+        </p:nvSpPr>
+        <p:spPr>
+          <a:xfrm>
+            <a:off x="9540882" y="938710"/>
+            <a:ext cx="1481378" cy="726462"/>
+          </a:xfrm>
+          <a:prstGeom prst="roundRect">
+            <a:avLst/>
+          </a:prstGeom>
+          <a:solidFill>
+            <a:schemeClr val="bg1"/>
+          </a:solidFill>
+          <a:ln w="76200">
+            <a:solidFill>
+              <a:schemeClr val="accent5">
+                <a:lumMod val="75000"/>
+              </a:schemeClr>
+            </a:solidFill>
+          </a:ln>
+        </p:spPr>
+        <p:style>
+          <a:lnRef idx="2">
+            <a:schemeClr val="accent1">
+              <a:shade val="50000"/>
+            </a:schemeClr>
+          </a:lnRef>
+          <a:fillRef idx="1">
+            <a:schemeClr val="accent1"/>
+          </a:fillRef>
+          <a:effectRef idx="0">
+            <a:schemeClr val="accent1"/>
+          </a:effectRef>
+          <a:fontRef idx="minor">
+            <a:schemeClr val="lt1"/>
+          </a:fontRef>
+        </p:style>
+        <p:txBody>
+          <a:bodyPr rtlCol="0" anchor="ctr"/>
+          <a:lstStyle/>
+          <a:p>
+            <a:pPr algn="ctr"/>
+            <a:r>
+              <a:rPr lang="en-US" altLang="zh-CN" dirty="0">
+                <a:solidFill>
+                  <a:schemeClr val="tx1"/>
+                </a:solidFill>
+              </a:rPr>
+              <a:t>Customer</a:t>
+            </a:r>
+          </a:p>
+          <a:p>
+            <a:pPr algn="ctr"/>
+            <a:r>
+              <a:rPr lang="en-US" altLang="zh-CN" dirty="0">
+                <a:solidFill>
+                  <a:schemeClr val="tx1"/>
+                </a:solidFill>
+              </a:rPr>
+              <a:t>RTL Code</a:t>
+            </a:r>
+            <a:endParaRPr lang="zh-CN" altLang="en-US" dirty="0">
+              <a:solidFill>
+                <a:schemeClr val="tx1"/>
+              </a:solidFill>
+            </a:endParaRPr>
+          </a:p>
+        </p:txBody>
+      </p:sp>
+    </p:spTree>
+    <p:extLst>
+      <p:ext uri="{BB962C8B-B14F-4D97-AF65-F5344CB8AC3E}">
+        <p14:creationId xmlns:p14="http://schemas.microsoft.com/office/powerpoint/2010/main" val="1375477242"/>
+      </p:ext>
+    </p:extLst>
+  </p:cSld>
+  <p:clrMapOvr>
+    <a:masterClrMapping/>
+  </p:clrMapOvr>
+</p:sld>
+</file>
+
+<file path=ppt/slides/slide6.xml><?xml version="1.0" encoding="utf-8"?>
+<p:sld xmlns:a="http://schemas.openxmlformats.org/drawingml/2006/main" xmlns:r="http://schemas.openxmlformats.org/officeDocument/2006/relationships" xmlns:p="http://schemas.openxmlformats.org/presentationml/2006/main">
+  <p:cSld>
+    <p:spTree>
+      <p:nvGrpSpPr>
+        <p:cNvPr id="1" name=""/>
+        <p:cNvGrpSpPr/>
+        <p:nvPr/>
+      </p:nvGrpSpPr>
+      <p:grpSpPr>
+        <a:xfrm>
+          <a:off x="0" y="0"/>
+          <a:ext cx="0" cy="0"/>
+          <a:chOff x="0" y="0"/>
+          <a:chExt cx="0" cy="0"/>
+        </a:xfrm>
+      </p:grpSpPr>
+      <p:sp>
+        <p:nvSpPr>
+          <p:cNvPr id="2" name="矩形: 圆角 1">
+            <a:extLst>
+              <a:ext uri="{FF2B5EF4-FFF2-40B4-BE49-F238E27FC236}">
+                <a16:creationId xmlns:a16="http://schemas.microsoft.com/office/drawing/2014/main" id="{C4B7F70A-A339-4D7D-9B47-469C6B3F4F69}"/>
+              </a:ext>
+            </a:extLst>
+          </p:cNvPr>
+          <p:cNvSpPr/>
+          <p:nvPr/>
+        </p:nvSpPr>
+        <p:spPr>
+          <a:xfrm>
+            <a:off x="2218512" y="1252221"/>
+            <a:ext cx="3394130" cy="604434"/>
+          </a:xfrm>
+          <a:prstGeom prst="roundRect">
+            <a:avLst/>
+          </a:prstGeom>
+          <a:solidFill>
+            <a:schemeClr val="accent1"/>
+          </a:solidFill>
+        </p:spPr>
+        <p:style>
+          <a:lnRef idx="2">
+            <a:schemeClr val="accent1">
+              <a:shade val="50000"/>
+            </a:schemeClr>
+          </a:lnRef>
+          <a:fillRef idx="1">
+            <a:schemeClr val="accent1"/>
+          </a:fillRef>
+          <a:effectRef idx="0">
+            <a:schemeClr val="accent1"/>
+          </a:effectRef>
+          <a:fontRef idx="minor">
+            <a:schemeClr val="lt1"/>
+          </a:fontRef>
+        </p:style>
+        <p:txBody>
+          <a:bodyPr rtlCol="0" anchor="ctr"/>
+          <a:lstStyle/>
+          <a:p>
+            <a:pPr algn="ctr"/>
+            <a:r>
+              <a:rPr lang="en-US" altLang="zh-CN" dirty="0"/>
+              <a:t>RTL Design</a:t>
+            </a:r>
+            <a:endParaRPr lang="zh-CN" altLang="en-US" dirty="0"/>
+          </a:p>
+        </p:txBody>
+      </p:sp>
+      <p:cxnSp>
+        <p:nvCxnSpPr>
+          <p:cNvPr id="22" name="直接箭头连接符 21">
+            <a:extLst>
+              <a:ext uri="{FF2B5EF4-FFF2-40B4-BE49-F238E27FC236}">
+                <a16:creationId xmlns:a16="http://schemas.microsoft.com/office/drawing/2014/main" id="{4C82006A-CA10-43E9-B479-30A7D46B2F6C}"/>
+              </a:ext>
+            </a:extLst>
+          </p:cNvPr>
+          <p:cNvCxnSpPr>
+            <a:cxnSpLocks/>
+            <a:stCxn id="2" idx="2"/>
+          </p:cNvCxnSpPr>
+          <p:nvPr/>
+        </p:nvCxnSpPr>
+        <p:spPr>
+          <a:xfrm>
+            <a:off x="3915577" y="1856655"/>
+            <a:ext cx="0" cy="509505"/>
+          </a:xfrm>
+          <a:prstGeom prst="straightConnector1">
+            <a:avLst/>
+          </a:prstGeom>
+          <a:ln>
+            <a:tailEnd type="triangle"/>
+          </a:ln>
+        </p:spPr>
+        <p:style>
+          <a:lnRef idx="3">
+            <a:schemeClr val="dk1"/>
+          </a:lnRef>
+          <a:fillRef idx="0">
+            <a:schemeClr val="dk1"/>
+          </a:fillRef>
+          <a:effectRef idx="2">
+            <a:schemeClr val="dk1"/>
+          </a:effectRef>
+          <a:fontRef idx="minor">
+            <a:schemeClr val="tx1"/>
+          </a:fontRef>
+        </p:style>
+      </p:cxnSp>
+      <p:sp>
+        <p:nvSpPr>
+          <p:cNvPr id="5" name="矩形: 圆角 4">
+            <a:extLst>
+              <a:ext uri="{FF2B5EF4-FFF2-40B4-BE49-F238E27FC236}">
+                <a16:creationId xmlns:a16="http://schemas.microsoft.com/office/drawing/2014/main" id="{219DA71A-5AFB-44A2-B6F4-3469E25DA099}"/>
+              </a:ext>
+            </a:extLst>
+          </p:cNvPr>
+          <p:cNvSpPr/>
+          <p:nvPr/>
+        </p:nvSpPr>
+        <p:spPr>
+          <a:xfrm>
+            <a:off x="2218512" y="2366160"/>
+            <a:ext cx="3394130" cy="604434"/>
+          </a:xfrm>
+          <a:prstGeom prst="roundRect">
+            <a:avLst/>
+          </a:prstGeom>
+          <a:solidFill>
+            <a:schemeClr val="accent2">
+              <a:lumMod val="75000"/>
+            </a:schemeClr>
+          </a:solidFill>
+        </p:spPr>
+        <p:style>
+          <a:lnRef idx="2">
+            <a:schemeClr val="accent1">
+              <a:shade val="50000"/>
+            </a:schemeClr>
+          </a:lnRef>
+          <a:fillRef idx="1">
+            <a:schemeClr val="accent1"/>
+          </a:fillRef>
+          <a:effectRef idx="0">
+            <a:schemeClr val="accent1"/>
+          </a:effectRef>
+          <a:fontRef idx="minor">
+            <a:schemeClr val="lt1"/>
+          </a:fontRef>
+        </p:style>
+        <p:txBody>
+          <a:bodyPr rtlCol="0" anchor="ctr"/>
+          <a:lstStyle/>
+          <a:p>
+            <a:pPr algn="ctr"/>
+            <a:r>
+              <a:rPr lang="en-US" altLang="zh-CN" dirty="0"/>
+              <a:t>Synthesize</a:t>
+            </a:r>
+            <a:endParaRPr lang="zh-CN" altLang="en-US" dirty="0"/>
+          </a:p>
+        </p:txBody>
+      </p:sp>
+      <p:sp>
+        <p:nvSpPr>
+          <p:cNvPr id="7" name="矩形: 圆角 6">
+            <a:extLst>
+              <a:ext uri="{FF2B5EF4-FFF2-40B4-BE49-F238E27FC236}">
+                <a16:creationId xmlns:a16="http://schemas.microsoft.com/office/drawing/2014/main" id="{62704D02-9682-4956-B3F8-F8D9CCF2ABD6}"/>
+              </a:ext>
+            </a:extLst>
+          </p:cNvPr>
+          <p:cNvSpPr/>
+          <p:nvPr/>
+        </p:nvSpPr>
+        <p:spPr>
+          <a:xfrm>
+            <a:off x="2218512" y="3480099"/>
+            <a:ext cx="3394130" cy="604434"/>
+          </a:xfrm>
+          <a:prstGeom prst="roundRect">
+            <a:avLst/>
+          </a:prstGeom>
+          <a:solidFill>
+            <a:schemeClr val="accent6">
+              <a:lumMod val="75000"/>
+            </a:schemeClr>
+          </a:solidFill>
+        </p:spPr>
+        <p:style>
+          <a:lnRef idx="2">
+            <a:schemeClr val="accent1">
+              <a:shade val="50000"/>
+            </a:schemeClr>
+          </a:lnRef>
+          <a:fillRef idx="1">
+            <a:schemeClr val="accent1"/>
+          </a:fillRef>
+          <a:effectRef idx="0">
+            <a:schemeClr val="accent1"/>
+          </a:effectRef>
+          <a:fontRef idx="minor">
+            <a:schemeClr val="lt1"/>
+          </a:fontRef>
+        </p:style>
+        <p:txBody>
+          <a:bodyPr rtlCol="0" anchor="ctr"/>
+          <a:lstStyle/>
+          <a:p>
+            <a:pPr algn="ctr"/>
+            <a:r>
+              <a:rPr lang="en-US" altLang="zh-CN" dirty="0"/>
+              <a:t>Implement</a:t>
+            </a:r>
+            <a:endParaRPr lang="zh-CN" altLang="en-US" dirty="0"/>
+          </a:p>
+        </p:txBody>
+      </p:sp>
+      <p:sp>
+        <p:nvSpPr>
+          <p:cNvPr id="9" name="矩形: 圆角 8">
+            <a:extLst>
+              <a:ext uri="{FF2B5EF4-FFF2-40B4-BE49-F238E27FC236}">
+                <a16:creationId xmlns:a16="http://schemas.microsoft.com/office/drawing/2014/main" id="{A214B4A7-5D11-478B-A853-89F6A1E4BAAC}"/>
+              </a:ext>
+            </a:extLst>
+          </p:cNvPr>
+          <p:cNvSpPr/>
+          <p:nvPr/>
+        </p:nvSpPr>
+        <p:spPr>
+          <a:xfrm>
+            <a:off x="2218512" y="4594038"/>
+            <a:ext cx="3394130" cy="604434"/>
+          </a:xfrm>
+          <a:prstGeom prst="roundRect">
+            <a:avLst/>
+          </a:prstGeom>
+          <a:solidFill>
+            <a:srgbClr val="C00000"/>
+          </a:solidFill>
+        </p:spPr>
+        <p:style>
+          <a:lnRef idx="2">
+            <a:schemeClr val="accent1">
+              <a:shade val="50000"/>
+            </a:schemeClr>
+          </a:lnRef>
+          <a:fillRef idx="1">
+            <a:schemeClr val="accent1"/>
+          </a:fillRef>
+          <a:effectRef idx="0">
+            <a:schemeClr val="accent1"/>
+          </a:effectRef>
+          <a:fontRef idx="minor">
+            <a:schemeClr val="lt1"/>
+          </a:fontRef>
+        </p:style>
+        <p:txBody>
+          <a:bodyPr rtlCol="0" anchor="ctr"/>
+          <a:lstStyle/>
+          <a:p>
+            <a:pPr algn="ctr"/>
+            <a:r>
+              <a:rPr lang="en-US" altLang="zh-CN" dirty="0"/>
+              <a:t>Debug the Design</a:t>
+            </a:r>
+            <a:endParaRPr lang="zh-CN" altLang="en-US" dirty="0"/>
+          </a:p>
+        </p:txBody>
+      </p:sp>
+      <p:cxnSp>
+        <p:nvCxnSpPr>
+          <p:cNvPr id="29" name="直接箭头连接符 28">
+            <a:extLst>
+              <a:ext uri="{FF2B5EF4-FFF2-40B4-BE49-F238E27FC236}">
+                <a16:creationId xmlns:a16="http://schemas.microsoft.com/office/drawing/2014/main" id="{DB52FEE0-7F1E-4F15-9D2B-BCDFCE7F97E7}"/>
+              </a:ext>
+            </a:extLst>
+          </p:cNvPr>
+          <p:cNvCxnSpPr>
+            <a:cxnSpLocks/>
+            <a:stCxn id="5" idx="2"/>
+            <a:endCxn id="7" idx="0"/>
+          </p:cNvCxnSpPr>
+          <p:nvPr/>
+        </p:nvCxnSpPr>
+        <p:spPr>
+          <a:xfrm>
+            <a:off x="3915577" y="2970594"/>
+            <a:ext cx="0" cy="509505"/>
+          </a:xfrm>
+          <a:prstGeom prst="straightConnector1">
+            <a:avLst/>
+          </a:prstGeom>
+          <a:ln>
+            <a:tailEnd type="triangle"/>
+          </a:ln>
+        </p:spPr>
+        <p:style>
+          <a:lnRef idx="3">
+            <a:schemeClr val="dk1"/>
+          </a:lnRef>
+          <a:fillRef idx="0">
+            <a:schemeClr val="dk1"/>
+          </a:fillRef>
+          <a:effectRef idx="2">
+            <a:schemeClr val="dk1"/>
+          </a:effectRef>
+          <a:fontRef idx="minor">
+            <a:schemeClr val="tx1"/>
+          </a:fontRef>
+        </p:style>
+      </p:cxnSp>
+      <p:cxnSp>
+        <p:nvCxnSpPr>
+          <p:cNvPr id="32" name="直接箭头连接符 31">
+            <a:extLst>
+              <a:ext uri="{FF2B5EF4-FFF2-40B4-BE49-F238E27FC236}">
+                <a16:creationId xmlns:a16="http://schemas.microsoft.com/office/drawing/2014/main" id="{4DD0CD8C-651D-4D3E-BAC9-1381EE882FCE}"/>
+              </a:ext>
+            </a:extLst>
+          </p:cNvPr>
+          <p:cNvCxnSpPr>
+            <a:cxnSpLocks/>
+            <a:stCxn id="7" idx="2"/>
+            <a:endCxn id="9" idx="0"/>
+          </p:cNvCxnSpPr>
+          <p:nvPr/>
+        </p:nvCxnSpPr>
+        <p:spPr>
+          <a:xfrm>
+            <a:off x="3915577" y="4084533"/>
+            <a:ext cx="0" cy="509505"/>
+          </a:xfrm>
+          <a:prstGeom prst="straightConnector1">
+            <a:avLst/>
+          </a:prstGeom>
+          <a:ln>
+            <a:tailEnd type="triangle"/>
+          </a:ln>
+        </p:spPr>
+        <p:style>
+          <a:lnRef idx="3">
+            <a:schemeClr val="dk1"/>
+          </a:lnRef>
+          <a:fillRef idx="0">
+            <a:schemeClr val="dk1"/>
+          </a:fillRef>
+          <a:effectRef idx="2">
+            <a:schemeClr val="dk1"/>
+          </a:effectRef>
+          <a:fontRef idx="minor">
+            <a:schemeClr val="tx1"/>
+          </a:fontRef>
+        </p:style>
+      </p:cxnSp>
+      <p:sp>
+        <p:nvSpPr>
+          <p:cNvPr id="26" name="矩形: 圆角 25">
+            <a:extLst>
+              <a:ext uri="{FF2B5EF4-FFF2-40B4-BE49-F238E27FC236}">
+                <a16:creationId xmlns:a16="http://schemas.microsoft.com/office/drawing/2014/main" id="{511B0EEB-082B-4495-A77C-FAA06BA25BC8}"/>
+              </a:ext>
+            </a:extLst>
+          </p:cNvPr>
+          <p:cNvSpPr/>
+          <p:nvPr/>
+        </p:nvSpPr>
+        <p:spPr>
+          <a:xfrm>
+            <a:off x="6247251" y="1954487"/>
+            <a:ext cx="3980009" cy="313840"/>
+          </a:xfrm>
+          <a:prstGeom prst="roundRect">
+            <a:avLst/>
+          </a:prstGeom>
+          <a:gradFill flip="none" rotWithShape="1">
+            <a:gsLst>
+              <a:gs pos="0">
+                <a:schemeClr val="accent5">
+                  <a:lumMod val="67000"/>
+                </a:schemeClr>
+              </a:gs>
+              <a:gs pos="48000">
+                <a:schemeClr val="accent5">
+                  <a:lumMod val="97000"/>
+                  <a:lumOff val="3000"/>
+                </a:schemeClr>
+              </a:gs>
+              <a:gs pos="100000">
+                <a:schemeClr val="accent5">
+                  <a:lumMod val="60000"/>
+                  <a:lumOff val="40000"/>
+                </a:schemeClr>
+              </a:gs>
+            </a:gsLst>
+            <a:lin ang="16200000" scaled="1"/>
+            <a:tileRect/>
+          </a:gradFill>
+        </p:spPr>
+        <p:style>
+          <a:lnRef idx="2">
+            <a:schemeClr val="accent1">
+              <a:shade val="50000"/>
+            </a:schemeClr>
+          </a:lnRef>
+          <a:fillRef idx="1">
+            <a:schemeClr val="accent1"/>
+          </a:fillRef>
+          <a:effectRef idx="0">
+            <a:schemeClr val="accent1"/>
+          </a:effectRef>
+          <a:fontRef idx="minor">
+            <a:schemeClr val="lt1"/>
+          </a:fontRef>
+        </p:style>
+        <p:txBody>
+          <a:bodyPr rtlCol="0" anchor="ctr"/>
+          <a:lstStyle/>
+          <a:p>
+            <a:pPr algn="ctr"/>
+            <a:r>
+              <a:rPr lang="en-US" altLang="zh-CN" b="1" dirty="0"/>
+              <a:t>Behavioral Simulation</a:t>
+            </a:r>
+            <a:endParaRPr lang="zh-CN" altLang="en-US" b="1" dirty="0"/>
+          </a:p>
+        </p:txBody>
+      </p:sp>
+      <p:sp>
+        <p:nvSpPr>
+          <p:cNvPr id="30" name="矩形: 圆角 29">
+            <a:extLst>
+              <a:ext uri="{FF2B5EF4-FFF2-40B4-BE49-F238E27FC236}">
+                <a16:creationId xmlns:a16="http://schemas.microsoft.com/office/drawing/2014/main" id="{D18B154B-2289-4117-B292-E7D09E553446}"/>
+              </a:ext>
+            </a:extLst>
+          </p:cNvPr>
+          <p:cNvSpPr/>
+          <p:nvPr/>
+        </p:nvSpPr>
+        <p:spPr>
+          <a:xfrm>
+            <a:off x="6247250" y="2268327"/>
+            <a:ext cx="3980009" cy="313840"/>
+          </a:xfrm>
+          <a:prstGeom prst="roundRect">
+            <a:avLst/>
+          </a:prstGeom>
+          <a:gradFill flip="none" rotWithShape="1">
+            <a:gsLst>
+              <a:gs pos="0">
+                <a:schemeClr val="accent5">
+                  <a:lumMod val="67000"/>
+                </a:schemeClr>
+              </a:gs>
+              <a:gs pos="48000">
+                <a:schemeClr val="accent5">
+                  <a:lumMod val="97000"/>
+                  <a:lumOff val="3000"/>
+                </a:schemeClr>
+              </a:gs>
+              <a:gs pos="100000">
+                <a:schemeClr val="accent5">
+                  <a:lumMod val="60000"/>
+                  <a:lumOff val="40000"/>
+                </a:schemeClr>
+              </a:gs>
+            </a:gsLst>
+            <a:lin ang="16200000" scaled="1"/>
+            <a:tileRect/>
+          </a:gradFill>
+        </p:spPr>
+        <p:style>
+          <a:lnRef idx="2">
+            <a:schemeClr val="accent1">
+              <a:shade val="50000"/>
+            </a:schemeClr>
+          </a:lnRef>
+          <a:fillRef idx="1">
+            <a:schemeClr val="accent1"/>
+          </a:fillRef>
+          <a:effectRef idx="0">
+            <a:schemeClr val="accent1"/>
+          </a:effectRef>
+          <a:fontRef idx="minor">
+            <a:schemeClr val="lt1"/>
+          </a:fontRef>
+        </p:style>
+        <p:txBody>
+          <a:bodyPr rtlCol="0" anchor="ctr"/>
+          <a:lstStyle/>
+          <a:p>
+            <a:r>
+              <a:rPr lang="en-US" altLang="zh-CN" i="1" dirty="0"/>
+              <a:t>Verify Design Behaves as Intended</a:t>
+            </a:r>
+            <a:endParaRPr lang="zh-CN" altLang="en-US" i="1" dirty="0"/>
+          </a:p>
+        </p:txBody>
+      </p:sp>
+      <p:sp>
+        <p:nvSpPr>
+          <p:cNvPr id="33" name="矩形: 圆角 32">
+            <a:extLst>
+              <a:ext uri="{FF2B5EF4-FFF2-40B4-BE49-F238E27FC236}">
+                <a16:creationId xmlns:a16="http://schemas.microsoft.com/office/drawing/2014/main" id="{1B686141-1E39-41B5-9CA9-BB4716F47AA3}"/>
+              </a:ext>
+            </a:extLst>
+          </p:cNvPr>
+          <p:cNvSpPr/>
+          <p:nvPr/>
+        </p:nvSpPr>
+        <p:spPr>
+          <a:xfrm>
+            <a:off x="6247250" y="3068426"/>
+            <a:ext cx="3980009" cy="313840"/>
+          </a:xfrm>
+          <a:prstGeom prst="roundRect">
+            <a:avLst/>
+          </a:prstGeom>
+          <a:gradFill flip="none" rotWithShape="1">
+            <a:gsLst>
+              <a:gs pos="0">
+                <a:schemeClr val="accent5">
+                  <a:lumMod val="67000"/>
+                </a:schemeClr>
+              </a:gs>
+              <a:gs pos="48000">
+                <a:schemeClr val="accent5">
+                  <a:lumMod val="97000"/>
+                  <a:lumOff val="3000"/>
+                </a:schemeClr>
+              </a:gs>
+              <a:gs pos="100000">
+                <a:schemeClr val="accent5">
+                  <a:lumMod val="60000"/>
+                  <a:lumOff val="40000"/>
+                </a:schemeClr>
+              </a:gs>
+            </a:gsLst>
+            <a:lin ang="16200000" scaled="1"/>
+            <a:tileRect/>
+          </a:gradFill>
+        </p:spPr>
+        <p:style>
+          <a:lnRef idx="2">
+            <a:schemeClr val="accent1">
+              <a:shade val="50000"/>
+            </a:schemeClr>
+          </a:lnRef>
+          <a:fillRef idx="1">
+            <a:schemeClr val="accent1"/>
+          </a:fillRef>
+          <a:effectRef idx="0">
+            <a:schemeClr val="accent1"/>
+          </a:effectRef>
+          <a:fontRef idx="minor">
+            <a:schemeClr val="lt1"/>
+          </a:fontRef>
+        </p:style>
+        <p:txBody>
+          <a:bodyPr rtlCol="0" anchor="ctr"/>
+          <a:lstStyle/>
+          <a:p>
+            <a:pPr algn="ctr"/>
+            <a:r>
+              <a:rPr lang="en-US" altLang="zh-CN" b="1" dirty="0"/>
+              <a:t>Post Synthesis Simulation</a:t>
+            </a:r>
+            <a:endParaRPr lang="zh-CN" altLang="en-US" b="1" dirty="0"/>
+          </a:p>
+        </p:txBody>
+      </p:sp>
+      <p:sp>
+        <p:nvSpPr>
+          <p:cNvPr id="34" name="矩形: 圆角 33">
+            <a:extLst>
+              <a:ext uri="{FF2B5EF4-FFF2-40B4-BE49-F238E27FC236}">
+                <a16:creationId xmlns:a16="http://schemas.microsoft.com/office/drawing/2014/main" id="{63F95753-6B2F-4B93-9050-D83453DD4086}"/>
+              </a:ext>
+            </a:extLst>
+          </p:cNvPr>
+          <p:cNvSpPr/>
+          <p:nvPr/>
+        </p:nvSpPr>
+        <p:spPr>
+          <a:xfrm>
+            <a:off x="6247250" y="3382265"/>
+            <a:ext cx="3980009" cy="730365"/>
+          </a:xfrm>
+          <a:prstGeom prst="roundRect">
+            <a:avLst/>
+          </a:prstGeom>
+          <a:gradFill flip="none" rotWithShape="1">
+            <a:gsLst>
+              <a:gs pos="0">
+                <a:schemeClr val="accent5">
+                  <a:lumMod val="67000"/>
+                </a:schemeClr>
+              </a:gs>
+              <a:gs pos="48000">
+                <a:schemeClr val="accent5">
+                  <a:lumMod val="97000"/>
+                  <a:lumOff val="3000"/>
+                </a:schemeClr>
+              </a:gs>
+              <a:gs pos="100000">
+                <a:schemeClr val="accent5">
+                  <a:lumMod val="60000"/>
+                  <a:lumOff val="40000"/>
+                </a:schemeClr>
+              </a:gs>
+            </a:gsLst>
+            <a:lin ang="16200000" scaled="1"/>
+            <a:tileRect/>
+          </a:gradFill>
+        </p:spPr>
+        <p:style>
+          <a:lnRef idx="2">
+            <a:schemeClr val="accent1">
+              <a:shade val="50000"/>
+            </a:schemeClr>
+          </a:lnRef>
+          <a:fillRef idx="1">
+            <a:schemeClr val="accent1"/>
+          </a:fillRef>
+          <a:effectRef idx="0">
+            <a:schemeClr val="accent1"/>
+          </a:effectRef>
+          <a:fontRef idx="minor">
+            <a:schemeClr val="lt1"/>
+          </a:fontRef>
+        </p:style>
+        <p:txBody>
+          <a:bodyPr rtlCol="0" anchor="ctr"/>
+          <a:lstStyle/>
+          <a:p>
+            <a:r>
+              <a:rPr lang="en-US" altLang="zh-CN" i="1" dirty="0"/>
+              <a:t>Verify the synthesized design meets the functional requirements and behaves as expected</a:t>
+            </a:r>
+            <a:endParaRPr lang="zh-CN" altLang="en-US" i="1" dirty="0"/>
+          </a:p>
+        </p:txBody>
+      </p:sp>
+      <p:sp>
+        <p:nvSpPr>
+          <p:cNvPr id="36" name="矩形: 圆角 35">
+            <a:extLst>
+              <a:ext uri="{FF2B5EF4-FFF2-40B4-BE49-F238E27FC236}">
+                <a16:creationId xmlns:a16="http://schemas.microsoft.com/office/drawing/2014/main" id="{A6C731F7-DC62-4F21-B903-51B2E0ED4F8D}"/>
+              </a:ext>
+            </a:extLst>
+          </p:cNvPr>
+          <p:cNvSpPr/>
+          <p:nvPr/>
+        </p:nvSpPr>
+        <p:spPr>
+          <a:xfrm>
+            <a:off x="6247249" y="4182365"/>
+            <a:ext cx="3980009" cy="313840"/>
+          </a:xfrm>
+          <a:prstGeom prst="roundRect">
+            <a:avLst/>
+          </a:prstGeom>
+          <a:gradFill flip="none" rotWithShape="1">
+            <a:gsLst>
+              <a:gs pos="0">
+                <a:schemeClr val="accent5">
+                  <a:lumMod val="67000"/>
+                </a:schemeClr>
+              </a:gs>
+              <a:gs pos="48000">
+                <a:schemeClr val="accent5">
+                  <a:lumMod val="97000"/>
+                  <a:lumOff val="3000"/>
+                </a:schemeClr>
+              </a:gs>
+              <a:gs pos="100000">
+                <a:schemeClr val="accent5">
+                  <a:lumMod val="60000"/>
+                  <a:lumOff val="40000"/>
+                </a:schemeClr>
+              </a:gs>
+            </a:gsLst>
+            <a:lin ang="16200000" scaled="1"/>
+            <a:tileRect/>
+          </a:gradFill>
+        </p:spPr>
+        <p:style>
+          <a:lnRef idx="2">
+            <a:schemeClr val="accent1">
+              <a:shade val="50000"/>
+            </a:schemeClr>
+          </a:lnRef>
+          <a:fillRef idx="1">
+            <a:schemeClr val="accent1"/>
+          </a:fillRef>
+          <a:effectRef idx="0">
+            <a:schemeClr val="accent1"/>
+          </a:effectRef>
+          <a:fontRef idx="minor">
+            <a:schemeClr val="lt1"/>
+          </a:fontRef>
+        </p:style>
+        <p:txBody>
+          <a:bodyPr rtlCol="0" anchor="ctr"/>
+          <a:lstStyle/>
+          <a:p>
+            <a:pPr algn="ctr"/>
+            <a:r>
+              <a:rPr lang="en-US" altLang="zh-CN" b="1" dirty="0"/>
+              <a:t>Post Implementation Simulation</a:t>
+            </a:r>
+            <a:endParaRPr lang="zh-CN" altLang="en-US" b="1" dirty="0"/>
+          </a:p>
+        </p:txBody>
+      </p:sp>
+      <p:sp>
+        <p:nvSpPr>
+          <p:cNvPr id="38" name="矩形: 圆角 37">
+            <a:extLst>
+              <a:ext uri="{FF2B5EF4-FFF2-40B4-BE49-F238E27FC236}">
+                <a16:creationId xmlns:a16="http://schemas.microsoft.com/office/drawing/2014/main" id="{56CFB12A-C973-447D-BC69-D57FA5D42B5B}"/>
+              </a:ext>
+            </a:extLst>
+          </p:cNvPr>
+          <p:cNvSpPr/>
+          <p:nvPr/>
+        </p:nvSpPr>
+        <p:spPr>
+          <a:xfrm>
+            <a:off x="6247249" y="4496205"/>
+            <a:ext cx="3980009" cy="313840"/>
+          </a:xfrm>
+          <a:prstGeom prst="roundRect">
+            <a:avLst/>
+          </a:prstGeom>
+          <a:gradFill flip="none" rotWithShape="1">
+            <a:gsLst>
+              <a:gs pos="0">
+                <a:schemeClr val="accent5">
+                  <a:lumMod val="67000"/>
+                </a:schemeClr>
+              </a:gs>
+              <a:gs pos="48000">
+                <a:schemeClr val="accent5">
+                  <a:lumMod val="97000"/>
+                  <a:lumOff val="3000"/>
+                </a:schemeClr>
+              </a:gs>
+              <a:gs pos="100000">
+                <a:schemeClr val="accent5">
+                  <a:lumMod val="60000"/>
+                  <a:lumOff val="40000"/>
+                </a:schemeClr>
+              </a:gs>
+            </a:gsLst>
+            <a:lin ang="16200000" scaled="1"/>
+            <a:tileRect/>
+          </a:gradFill>
+        </p:spPr>
+        <p:style>
+          <a:lnRef idx="2">
+            <a:schemeClr val="accent1">
+              <a:shade val="50000"/>
+            </a:schemeClr>
+          </a:lnRef>
+          <a:fillRef idx="1">
+            <a:schemeClr val="accent1"/>
+          </a:fillRef>
+          <a:effectRef idx="0">
+            <a:schemeClr val="accent1"/>
+          </a:effectRef>
+          <a:fontRef idx="minor">
+            <a:schemeClr val="lt1"/>
+          </a:fontRef>
+        </p:style>
+        <p:txBody>
+          <a:bodyPr rtlCol="0" anchor="ctr"/>
+          <a:lstStyle/>
+          <a:p>
+            <a:r>
+              <a:rPr lang="en-US" altLang="zh-CN" i="1" dirty="0"/>
+              <a:t>Closest emulation to HW</a:t>
+            </a:r>
+            <a:endParaRPr lang="zh-CN" altLang="en-US" i="1" dirty="0"/>
+          </a:p>
+        </p:txBody>
+      </p:sp>
+      <p:cxnSp>
+        <p:nvCxnSpPr>
+          <p:cNvPr id="48" name="直接箭头连接符 47">
+            <a:extLst>
+              <a:ext uri="{FF2B5EF4-FFF2-40B4-BE49-F238E27FC236}">
+                <a16:creationId xmlns:a16="http://schemas.microsoft.com/office/drawing/2014/main" id="{601AADB7-F234-43AA-A1B0-63DF63486E65}"/>
+              </a:ext>
+            </a:extLst>
+          </p:cNvPr>
+          <p:cNvCxnSpPr>
+            <a:cxnSpLocks/>
+            <a:endCxn id="26" idx="1"/>
+          </p:cNvCxnSpPr>
+          <p:nvPr/>
+        </p:nvCxnSpPr>
+        <p:spPr>
+          <a:xfrm>
+            <a:off x="3915577" y="2111407"/>
+            <a:ext cx="2331674" cy="0"/>
+          </a:xfrm>
+          <a:prstGeom prst="straightConnector1">
+            <a:avLst/>
+          </a:prstGeom>
+          <a:ln>
+            <a:tailEnd type="triangle"/>
+          </a:ln>
+        </p:spPr>
+        <p:style>
+          <a:lnRef idx="2">
+            <a:schemeClr val="dk1"/>
+          </a:lnRef>
+          <a:fillRef idx="0">
+            <a:schemeClr val="dk1"/>
+          </a:fillRef>
+          <a:effectRef idx="1">
+            <a:schemeClr val="dk1"/>
+          </a:effectRef>
+          <a:fontRef idx="minor">
+            <a:schemeClr val="tx1"/>
+          </a:fontRef>
+        </p:style>
+      </p:cxnSp>
+      <p:cxnSp>
+        <p:nvCxnSpPr>
+          <p:cNvPr id="51" name="直接箭头连接符 50">
+            <a:extLst>
+              <a:ext uri="{FF2B5EF4-FFF2-40B4-BE49-F238E27FC236}">
+                <a16:creationId xmlns:a16="http://schemas.microsoft.com/office/drawing/2014/main" id="{97D790F6-6D5B-4603-8D5B-A60C7415E7EA}"/>
+              </a:ext>
+            </a:extLst>
+          </p:cNvPr>
+          <p:cNvCxnSpPr>
+            <a:cxnSpLocks/>
+            <a:endCxn id="33" idx="1"/>
+          </p:cNvCxnSpPr>
+          <p:nvPr/>
+        </p:nvCxnSpPr>
+        <p:spPr>
+          <a:xfrm>
+            <a:off x="3915577" y="3223893"/>
+            <a:ext cx="2331673" cy="1453"/>
+          </a:xfrm>
+          <a:prstGeom prst="straightConnector1">
+            <a:avLst/>
+          </a:prstGeom>
+          <a:ln>
+            <a:tailEnd type="triangle"/>
+          </a:ln>
+        </p:spPr>
+        <p:style>
+          <a:lnRef idx="2">
+            <a:schemeClr val="dk1"/>
+          </a:lnRef>
+          <a:fillRef idx="0">
+            <a:schemeClr val="dk1"/>
+          </a:fillRef>
+          <a:effectRef idx="1">
+            <a:schemeClr val="dk1"/>
+          </a:effectRef>
+          <a:fontRef idx="minor">
+            <a:schemeClr val="tx1"/>
+          </a:fontRef>
+        </p:style>
+      </p:cxnSp>
+      <p:cxnSp>
+        <p:nvCxnSpPr>
+          <p:cNvPr id="54" name="直接箭头连接符 53">
+            <a:extLst>
+              <a:ext uri="{FF2B5EF4-FFF2-40B4-BE49-F238E27FC236}">
+                <a16:creationId xmlns:a16="http://schemas.microsoft.com/office/drawing/2014/main" id="{72FE285E-7531-492F-AFFF-3A4AF03F5CC0}"/>
+              </a:ext>
+            </a:extLst>
+          </p:cNvPr>
+          <p:cNvCxnSpPr>
+            <a:cxnSpLocks/>
+            <a:endCxn id="36" idx="1"/>
+          </p:cNvCxnSpPr>
+          <p:nvPr/>
+        </p:nvCxnSpPr>
+        <p:spPr>
+          <a:xfrm>
+            <a:off x="3915576" y="4339285"/>
+            <a:ext cx="2331673" cy="0"/>
+          </a:xfrm>
+          <a:prstGeom prst="straightConnector1">
+            <a:avLst/>
+          </a:prstGeom>
+          <a:ln>
+            <a:tailEnd type="triangle"/>
+          </a:ln>
+        </p:spPr>
+        <p:style>
+          <a:lnRef idx="2">
+            <a:schemeClr val="dk1"/>
+          </a:lnRef>
+          <a:fillRef idx="0">
+            <a:schemeClr val="dk1"/>
+          </a:fillRef>
+          <a:effectRef idx="1">
+            <a:schemeClr val="dk1"/>
+          </a:effectRef>
+          <a:fontRef idx="minor">
+            <a:schemeClr val="tx1"/>
+          </a:fontRef>
+        </p:style>
+      </p:cxnSp>
+    </p:spTree>
+    <p:extLst>
+      <p:ext uri="{BB962C8B-B14F-4D97-AF65-F5344CB8AC3E}">
+        <p14:creationId xmlns:p14="http://schemas.microsoft.com/office/powerpoint/2010/main" val="233427681"/>
       </p:ext>
     </p:extLst>
   </p:cSld>

--- a/_posts/Vivado入门/Vivado入门.pptx
+++ b/_posts/Vivado入门/Vivado入门.pptx
@@ -11,6 +11,7 @@
     <p:sldId id="259" r:id="rId5"/>
     <p:sldId id="260" r:id="rId6"/>
     <p:sldId id="261" r:id="rId7"/>
+    <p:sldId id="262" r:id="rId8"/>
   </p:sldIdLst>
   <p:sldSz cx="12192000" cy="6858000"/>
   <p:notesSz cx="6858000" cy="9144000"/>
@@ -10384,8 +10385,8 @@
           </a:p>
         </p:txBody>
       </p:sp>
-      <mc:AlternateContent xmlns:mc="http://schemas.openxmlformats.org/markup-compatibility/2006">
-        <mc:Choice xmlns:a14="http://schemas.microsoft.com/office/drawing/2010/main" Requires="a14">
+      <mc:AlternateContent xmlns:mc="http://schemas.openxmlformats.org/markup-compatibility/2006" xmlns:a14="http://schemas.microsoft.com/office/drawing/2010/main">
+        <mc:Choice Requires="a14">
           <p:sp>
             <p:nvSpPr>
               <p:cNvPr id="8" name="圆柱体 7">
@@ -10472,7 +10473,7 @@
             </p:txBody>
           </p:sp>
         </mc:Choice>
-        <mc:Fallback>
+        <mc:Fallback xmlns="">
           <p:sp>
             <p:nvSpPr>
               <p:cNvPr id="8" name="圆柱体 7">
@@ -12173,6 +12174,1482 @@
     <p:extLst>
       <p:ext uri="{BB962C8B-B14F-4D97-AF65-F5344CB8AC3E}">
         <p14:creationId xmlns:p14="http://schemas.microsoft.com/office/powerpoint/2010/main" val="233427681"/>
+      </p:ext>
+    </p:extLst>
+  </p:cSld>
+  <p:clrMapOvr>
+    <a:masterClrMapping/>
+  </p:clrMapOvr>
+</p:sld>
+</file>
+
+<file path=ppt/slides/slide7.xml><?xml version="1.0" encoding="utf-8"?>
+<p:sld xmlns:a="http://schemas.openxmlformats.org/drawingml/2006/main" xmlns:r="http://schemas.openxmlformats.org/officeDocument/2006/relationships" xmlns:p="http://schemas.openxmlformats.org/presentationml/2006/main">
+  <p:cSld>
+    <p:spTree>
+      <p:nvGrpSpPr>
+        <p:cNvPr id="1" name=""/>
+        <p:cNvGrpSpPr/>
+        <p:nvPr/>
+      </p:nvGrpSpPr>
+      <p:grpSpPr>
+        <a:xfrm>
+          <a:off x="0" y="0"/>
+          <a:ext cx="0" cy="0"/>
+          <a:chOff x="0" y="0"/>
+          <a:chExt cx="0" cy="0"/>
+        </a:xfrm>
+      </p:grpSpPr>
+      <p:sp>
+        <p:nvSpPr>
+          <p:cNvPr id="3" name="矩形 2">
+            <a:extLst>
+              <a:ext uri="{FF2B5EF4-FFF2-40B4-BE49-F238E27FC236}">
+                <a16:creationId xmlns:a16="http://schemas.microsoft.com/office/drawing/2014/main" id="{63AA5DC7-91E8-4E35-B4EC-090C1065C96F}"/>
+              </a:ext>
+            </a:extLst>
+          </p:cNvPr>
+          <p:cNvSpPr/>
+          <p:nvPr/>
+        </p:nvSpPr>
+        <p:spPr>
+          <a:xfrm>
+            <a:off x="2107767" y="2650210"/>
+            <a:ext cx="1861089" cy="472698"/>
+          </a:xfrm>
+          <a:prstGeom prst="rect">
+            <a:avLst/>
+          </a:prstGeom>
+          <a:solidFill>
+            <a:schemeClr val="accent2">
+              <a:lumMod val="75000"/>
+            </a:schemeClr>
+          </a:solidFill>
+        </p:spPr>
+        <p:style>
+          <a:lnRef idx="2">
+            <a:schemeClr val="accent1">
+              <a:shade val="50000"/>
+            </a:schemeClr>
+          </a:lnRef>
+          <a:fillRef idx="1">
+            <a:schemeClr val="accent1"/>
+          </a:fillRef>
+          <a:effectRef idx="0">
+            <a:schemeClr val="accent1"/>
+          </a:effectRef>
+          <a:fontRef idx="minor">
+            <a:schemeClr val="lt1"/>
+          </a:fontRef>
+        </p:style>
+        <p:txBody>
+          <a:bodyPr rtlCol="0" anchor="ctr"/>
+          <a:lstStyle/>
+          <a:p>
+            <a:pPr algn="ctr"/>
+            <a:r>
+              <a:rPr lang="en-US" altLang="zh-CN" dirty="0"/>
+              <a:t>synth_1</a:t>
+            </a:r>
+            <a:endParaRPr lang="zh-CN" altLang="en-US" dirty="0"/>
+          </a:p>
+        </p:txBody>
+      </p:sp>
+      <p:sp>
+        <p:nvSpPr>
+          <p:cNvPr id="4" name="矩形 3">
+            <a:extLst>
+              <a:ext uri="{FF2B5EF4-FFF2-40B4-BE49-F238E27FC236}">
+                <a16:creationId xmlns:a16="http://schemas.microsoft.com/office/drawing/2014/main" id="{586C2838-4524-4660-A2E3-104C7C2BC97B}"/>
+              </a:ext>
+            </a:extLst>
+          </p:cNvPr>
+          <p:cNvSpPr/>
+          <p:nvPr/>
+        </p:nvSpPr>
+        <p:spPr>
+          <a:xfrm>
+            <a:off x="2566259" y="3303722"/>
+            <a:ext cx="1402598" cy="472698"/>
+          </a:xfrm>
+          <a:prstGeom prst="rect">
+            <a:avLst/>
+          </a:prstGeom>
+          <a:solidFill>
+            <a:schemeClr val="accent6">
+              <a:lumMod val="75000"/>
+            </a:schemeClr>
+          </a:solidFill>
+        </p:spPr>
+        <p:style>
+          <a:lnRef idx="2">
+            <a:schemeClr val="accent1">
+              <a:shade val="50000"/>
+            </a:schemeClr>
+          </a:lnRef>
+          <a:fillRef idx="1">
+            <a:schemeClr val="accent1"/>
+          </a:fillRef>
+          <a:effectRef idx="0">
+            <a:schemeClr val="accent1"/>
+          </a:effectRef>
+          <a:fontRef idx="minor">
+            <a:schemeClr val="lt1"/>
+          </a:fontRef>
+        </p:style>
+        <p:txBody>
+          <a:bodyPr rtlCol="0" anchor="ctr"/>
+          <a:lstStyle/>
+          <a:p>
+            <a:pPr algn="ctr"/>
+            <a:r>
+              <a:rPr lang="en-US" altLang="zh-CN" dirty="0"/>
+              <a:t>impl_1</a:t>
+            </a:r>
+            <a:endParaRPr lang="zh-CN" altLang="en-US" dirty="0"/>
+          </a:p>
+        </p:txBody>
+      </p:sp>
+      <p:sp>
+        <p:nvSpPr>
+          <p:cNvPr id="6" name="矩形 5">
+            <a:extLst>
+              <a:ext uri="{FF2B5EF4-FFF2-40B4-BE49-F238E27FC236}">
+                <a16:creationId xmlns:a16="http://schemas.microsoft.com/office/drawing/2014/main" id="{F1E0C3FA-FCD9-4B84-9F6E-2F267F385C9B}"/>
+              </a:ext>
+            </a:extLst>
+          </p:cNvPr>
+          <p:cNvSpPr/>
+          <p:nvPr/>
+        </p:nvSpPr>
+        <p:spPr>
+          <a:xfrm>
+            <a:off x="2566259" y="3957234"/>
+            <a:ext cx="1402598" cy="472698"/>
+          </a:xfrm>
+          <a:prstGeom prst="rect">
+            <a:avLst/>
+          </a:prstGeom>
+          <a:solidFill>
+            <a:schemeClr val="accent6">
+              <a:lumMod val="75000"/>
+            </a:schemeClr>
+          </a:solidFill>
+        </p:spPr>
+        <p:style>
+          <a:lnRef idx="2">
+            <a:schemeClr val="accent1">
+              <a:shade val="50000"/>
+            </a:schemeClr>
+          </a:lnRef>
+          <a:fillRef idx="1">
+            <a:schemeClr val="accent1"/>
+          </a:fillRef>
+          <a:effectRef idx="0">
+            <a:schemeClr val="accent1"/>
+          </a:effectRef>
+          <a:fontRef idx="minor">
+            <a:schemeClr val="lt1"/>
+          </a:fontRef>
+        </p:style>
+        <p:txBody>
+          <a:bodyPr rtlCol="0" anchor="ctr"/>
+          <a:lstStyle/>
+          <a:p>
+            <a:pPr algn="ctr"/>
+            <a:r>
+              <a:rPr lang="en-US" altLang="zh-CN" dirty="0"/>
+              <a:t>impl_2</a:t>
+            </a:r>
+            <a:endParaRPr lang="zh-CN" altLang="en-US" dirty="0"/>
+          </a:p>
+        </p:txBody>
+      </p:sp>
+      <p:sp>
+        <p:nvSpPr>
+          <p:cNvPr id="8" name="矩形 7">
+            <a:extLst>
+              <a:ext uri="{FF2B5EF4-FFF2-40B4-BE49-F238E27FC236}">
+                <a16:creationId xmlns:a16="http://schemas.microsoft.com/office/drawing/2014/main" id="{AFBF42B2-D37C-4D8F-A633-74B229F37A06}"/>
+              </a:ext>
+            </a:extLst>
+          </p:cNvPr>
+          <p:cNvSpPr/>
+          <p:nvPr/>
+        </p:nvSpPr>
+        <p:spPr>
+          <a:xfrm>
+            <a:off x="2566259" y="4610746"/>
+            <a:ext cx="1402598" cy="472698"/>
+          </a:xfrm>
+          <a:prstGeom prst="rect">
+            <a:avLst/>
+          </a:prstGeom>
+          <a:solidFill>
+            <a:schemeClr val="accent6">
+              <a:lumMod val="75000"/>
+            </a:schemeClr>
+          </a:solidFill>
+        </p:spPr>
+        <p:style>
+          <a:lnRef idx="2">
+            <a:schemeClr val="accent1">
+              <a:shade val="50000"/>
+            </a:schemeClr>
+          </a:lnRef>
+          <a:fillRef idx="1">
+            <a:schemeClr val="accent1"/>
+          </a:fillRef>
+          <a:effectRef idx="0">
+            <a:schemeClr val="accent1"/>
+          </a:effectRef>
+          <a:fontRef idx="minor">
+            <a:schemeClr val="lt1"/>
+          </a:fontRef>
+        </p:style>
+        <p:txBody>
+          <a:bodyPr rtlCol="0" anchor="ctr"/>
+          <a:lstStyle/>
+          <a:p>
+            <a:pPr algn="ctr"/>
+            <a:r>
+              <a:rPr lang="en-US" altLang="zh-CN" dirty="0"/>
+              <a:t>impl_3</a:t>
+            </a:r>
+            <a:endParaRPr lang="zh-CN" altLang="en-US" dirty="0"/>
+          </a:p>
+        </p:txBody>
+      </p:sp>
+      <p:sp>
+        <p:nvSpPr>
+          <p:cNvPr id="10" name="矩形 9">
+            <a:extLst>
+              <a:ext uri="{FF2B5EF4-FFF2-40B4-BE49-F238E27FC236}">
+                <a16:creationId xmlns:a16="http://schemas.microsoft.com/office/drawing/2014/main" id="{4ED0FA6A-7F91-4497-BF79-C192F77D1F68}"/>
+              </a:ext>
+            </a:extLst>
+          </p:cNvPr>
+          <p:cNvSpPr/>
+          <p:nvPr/>
+        </p:nvSpPr>
+        <p:spPr>
+          <a:xfrm>
+            <a:off x="2566259" y="5264257"/>
+            <a:ext cx="1402598" cy="472698"/>
+          </a:xfrm>
+          <a:prstGeom prst="rect">
+            <a:avLst/>
+          </a:prstGeom>
+          <a:solidFill>
+            <a:schemeClr val="accent6">
+              <a:lumMod val="75000"/>
+            </a:schemeClr>
+          </a:solidFill>
+        </p:spPr>
+        <p:style>
+          <a:lnRef idx="2">
+            <a:schemeClr val="accent1">
+              <a:shade val="50000"/>
+            </a:schemeClr>
+          </a:lnRef>
+          <a:fillRef idx="1">
+            <a:schemeClr val="accent1"/>
+          </a:fillRef>
+          <a:effectRef idx="0">
+            <a:schemeClr val="accent1"/>
+          </a:effectRef>
+          <a:fontRef idx="minor">
+            <a:schemeClr val="lt1"/>
+          </a:fontRef>
+        </p:style>
+        <p:txBody>
+          <a:bodyPr rtlCol="0" anchor="ctr"/>
+          <a:lstStyle/>
+          <a:p>
+            <a:pPr algn="ctr"/>
+            <a:r>
+              <a:rPr lang="en-US" altLang="zh-CN" dirty="0"/>
+              <a:t>impl_4</a:t>
+            </a:r>
+            <a:endParaRPr lang="zh-CN" altLang="en-US" dirty="0"/>
+          </a:p>
+        </p:txBody>
+      </p:sp>
+      <p:sp>
+        <p:nvSpPr>
+          <p:cNvPr id="11" name="矩形 10">
+            <a:extLst>
+              <a:ext uri="{FF2B5EF4-FFF2-40B4-BE49-F238E27FC236}">
+                <a16:creationId xmlns:a16="http://schemas.microsoft.com/office/drawing/2014/main" id="{D37B8C02-4489-4D55-9A29-A6E076550A25}"/>
+              </a:ext>
+            </a:extLst>
+          </p:cNvPr>
+          <p:cNvSpPr/>
+          <p:nvPr/>
+        </p:nvSpPr>
+        <p:spPr>
+          <a:xfrm>
+            <a:off x="5162224" y="2650210"/>
+            <a:ext cx="1861089" cy="472698"/>
+          </a:xfrm>
+          <a:prstGeom prst="rect">
+            <a:avLst/>
+          </a:prstGeom>
+          <a:solidFill>
+            <a:schemeClr val="accent2">
+              <a:lumMod val="75000"/>
+            </a:schemeClr>
+          </a:solidFill>
+        </p:spPr>
+        <p:style>
+          <a:lnRef idx="2">
+            <a:schemeClr val="accent1">
+              <a:shade val="50000"/>
+            </a:schemeClr>
+          </a:lnRef>
+          <a:fillRef idx="1">
+            <a:schemeClr val="accent1"/>
+          </a:fillRef>
+          <a:effectRef idx="0">
+            <a:schemeClr val="accent1"/>
+          </a:effectRef>
+          <a:fontRef idx="minor">
+            <a:schemeClr val="lt1"/>
+          </a:fontRef>
+        </p:style>
+        <p:txBody>
+          <a:bodyPr rtlCol="0" anchor="ctr"/>
+          <a:lstStyle/>
+          <a:p>
+            <a:pPr algn="ctr"/>
+            <a:r>
+              <a:rPr lang="en-US" altLang="zh-CN" dirty="0"/>
+              <a:t>synth_1</a:t>
+            </a:r>
+            <a:endParaRPr lang="zh-CN" altLang="en-US" dirty="0"/>
+          </a:p>
+        </p:txBody>
+      </p:sp>
+      <p:sp>
+        <p:nvSpPr>
+          <p:cNvPr id="12" name="矩形 11">
+            <a:extLst>
+              <a:ext uri="{FF2B5EF4-FFF2-40B4-BE49-F238E27FC236}">
+                <a16:creationId xmlns:a16="http://schemas.microsoft.com/office/drawing/2014/main" id="{5F71DA9E-36B2-4F82-82A8-4654FC959446}"/>
+              </a:ext>
+            </a:extLst>
+          </p:cNvPr>
+          <p:cNvSpPr/>
+          <p:nvPr/>
+        </p:nvSpPr>
+        <p:spPr>
+          <a:xfrm>
+            <a:off x="5620716" y="3303722"/>
+            <a:ext cx="1402598" cy="472698"/>
+          </a:xfrm>
+          <a:prstGeom prst="rect">
+            <a:avLst/>
+          </a:prstGeom>
+          <a:solidFill>
+            <a:schemeClr val="accent6">
+              <a:lumMod val="75000"/>
+            </a:schemeClr>
+          </a:solidFill>
+        </p:spPr>
+        <p:style>
+          <a:lnRef idx="2">
+            <a:schemeClr val="accent1">
+              <a:shade val="50000"/>
+            </a:schemeClr>
+          </a:lnRef>
+          <a:fillRef idx="1">
+            <a:schemeClr val="accent1"/>
+          </a:fillRef>
+          <a:effectRef idx="0">
+            <a:schemeClr val="accent1"/>
+          </a:effectRef>
+          <a:fontRef idx="minor">
+            <a:schemeClr val="lt1"/>
+          </a:fontRef>
+        </p:style>
+        <p:txBody>
+          <a:bodyPr rtlCol="0" anchor="ctr"/>
+          <a:lstStyle/>
+          <a:p>
+            <a:pPr algn="ctr"/>
+            <a:r>
+              <a:rPr lang="en-US" altLang="zh-CN" dirty="0"/>
+              <a:t>impl_1</a:t>
+            </a:r>
+            <a:endParaRPr lang="zh-CN" altLang="en-US" dirty="0"/>
+          </a:p>
+        </p:txBody>
+      </p:sp>
+      <p:sp>
+        <p:nvSpPr>
+          <p:cNvPr id="16" name="矩形 15">
+            <a:extLst>
+              <a:ext uri="{FF2B5EF4-FFF2-40B4-BE49-F238E27FC236}">
+                <a16:creationId xmlns:a16="http://schemas.microsoft.com/office/drawing/2014/main" id="{FB2E2044-2D44-41BD-9332-2EE9998A0FCD}"/>
+              </a:ext>
+            </a:extLst>
+          </p:cNvPr>
+          <p:cNvSpPr/>
+          <p:nvPr/>
+        </p:nvSpPr>
+        <p:spPr>
+          <a:xfrm>
+            <a:off x="5162224" y="4166461"/>
+            <a:ext cx="1861089" cy="472698"/>
+          </a:xfrm>
+          <a:prstGeom prst="rect">
+            <a:avLst/>
+          </a:prstGeom>
+          <a:solidFill>
+            <a:schemeClr val="accent2">
+              <a:lumMod val="75000"/>
+            </a:schemeClr>
+          </a:solidFill>
+        </p:spPr>
+        <p:style>
+          <a:lnRef idx="2">
+            <a:schemeClr val="accent1">
+              <a:shade val="50000"/>
+            </a:schemeClr>
+          </a:lnRef>
+          <a:fillRef idx="1">
+            <a:schemeClr val="accent1"/>
+          </a:fillRef>
+          <a:effectRef idx="0">
+            <a:schemeClr val="accent1"/>
+          </a:effectRef>
+          <a:fontRef idx="minor">
+            <a:schemeClr val="lt1"/>
+          </a:fontRef>
+        </p:style>
+        <p:txBody>
+          <a:bodyPr rtlCol="0" anchor="ctr"/>
+          <a:lstStyle/>
+          <a:p>
+            <a:pPr algn="ctr"/>
+            <a:r>
+              <a:rPr lang="en-US" altLang="zh-CN" dirty="0"/>
+              <a:t>synth_2</a:t>
+            </a:r>
+            <a:endParaRPr lang="zh-CN" altLang="en-US" dirty="0"/>
+          </a:p>
+        </p:txBody>
+      </p:sp>
+      <p:sp>
+        <p:nvSpPr>
+          <p:cNvPr id="17" name="矩形 16">
+            <a:extLst>
+              <a:ext uri="{FF2B5EF4-FFF2-40B4-BE49-F238E27FC236}">
+                <a16:creationId xmlns:a16="http://schemas.microsoft.com/office/drawing/2014/main" id="{BAF4E2B8-4F51-4CCC-9AD7-10CF54ACA3CF}"/>
+              </a:ext>
+            </a:extLst>
+          </p:cNvPr>
+          <p:cNvSpPr/>
+          <p:nvPr/>
+        </p:nvSpPr>
+        <p:spPr>
+          <a:xfrm>
+            <a:off x="5620716" y="4819973"/>
+            <a:ext cx="1402598" cy="472698"/>
+          </a:xfrm>
+          <a:prstGeom prst="rect">
+            <a:avLst/>
+          </a:prstGeom>
+          <a:solidFill>
+            <a:schemeClr val="accent6">
+              <a:lumMod val="75000"/>
+            </a:schemeClr>
+          </a:solidFill>
+        </p:spPr>
+        <p:style>
+          <a:lnRef idx="2">
+            <a:schemeClr val="accent1">
+              <a:shade val="50000"/>
+            </a:schemeClr>
+          </a:lnRef>
+          <a:fillRef idx="1">
+            <a:schemeClr val="accent1"/>
+          </a:fillRef>
+          <a:effectRef idx="0">
+            <a:schemeClr val="accent1"/>
+          </a:effectRef>
+          <a:fontRef idx="minor">
+            <a:schemeClr val="lt1"/>
+          </a:fontRef>
+        </p:style>
+        <p:txBody>
+          <a:bodyPr rtlCol="0" anchor="ctr"/>
+          <a:lstStyle/>
+          <a:p>
+            <a:pPr algn="ctr"/>
+            <a:r>
+              <a:rPr lang="en-US" altLang="zh-CN" dirty="0"/>
+              <a:t>impl_2</a:t>
+            </a:r>
+            <a:endParaRPr lang="zh-CN" altLang="en-US" dirty="0"/>
+          </a:p>
+        </p:txBody>
+      </p:sp>
+      <p:sp>
+        <p:nvSpPr>
+          <p:cNvPr id="24" name="矩形 23">
+            <a:extLst>
+              <a:ext uri="{FF2B5EF4-FFF2-40B4-BE49-F238E27FC236}">
+                <a16:creationId xmlns:a16="http://schemas.microsoft.com/office/drawing/2014/main" id="{2FB93971-916B-4BE4-A06B-03ECEBCB39B5}"/>
+              </a:ext>
+            </a:extLst>
+          </p:cNvPr>
+          <p:cNvSpPr/>
+          <p:nvPr/>
+        </p:nvSpPr>
+        <p:spPr>
+          <a:xfrm>
+            <a:off x="8216681" y="2650210"/>
+            <a:ext cx="1861089" cy="472698"/>
+          </a:xfrm>
+          <a:prstGeom prst="rect">
+            <a:avLst/>
+          </a:prstGeom>
+          <a:solidFill>
+            <a:schemeClr val="accent2">
+              <a:lumMod val="75000"/>
+            </a:schemeClr>
+          </a:solidFill>
+        </p:spPr>
+        <p:style>
+          <a:lnRef idx="2">
+            <a:schemeClr val="accent1">
+              <a:shade val="50000"/>
+            </a:schemeClr>
+          </a:lnRef>
+          <a:fillRef idx="1">
+            <a:schemeClr val="accent1"/>
+          </a:fillRef>
+          <a:effectRef idx="0">
+            <a:schemeClr val="accent1"/>
+          </a:effectRef>
+          <a:fontRef idx="minor">
+            <a:schemeClr val="lt1"/>
+          </a:fontRef>
+        </p:style>
+        <p:txBody>
+          <a:bodyPr rtlCol="0" anchor="ctr"/>
+          <a:lstStyle/>
+          <a:p>
+            <a:pPr algn="ctr"/>
+            <a:r>
+              <a:rPr lang="en-US" altLang="zh-CN" dirty="0"/>
+              <a:t>synth_1</a:t>
+            </a:r>
+            <a:endParaRPr lang="zh-CN" altLang="en-US" dirty="0"/>
+          </a:p>
+        </p:txBody>
+      </p:sp>
+      <p:sp>
+        <p:nvSpPr>
+          <p:cNvPr id="28" name="矩形 27">
+            <a:extLst>
+              <a:ext uri="{FF2B5EF4-FFF2-40B4-BE49-F238E27FC236}">
+                <a16:creationId xmlns:a16="http://schemas.microsoft.com/office/drawing/2014/main" id="{B84505D3-A850-49C5-9359-C40AB0CDB5A3}"/>
+              </a:ext>
+            </a:extLst>
+          </p:cNvPr>
+          <p:cNvSpPr/>
+          <p:nvPr/>
+        </p:nvSpPr>
+        <p:spPr>
+          <a:xfrm>
+            <a:off x="8675173" y="3303722"/>
+            <a:ext cx="1402598" cy="472698"/>
+          </a:xfrm>
+          <a:prstGeom prst="rect">
+            <a:avLst/>
+          </a:prstGeom>
+          <a:solidFill>
+            <a:schemeClr val="accent6">
+              <a:lumMod val="75000"/>
+            </a:schemeClr>
+          </a:solidFill>
+        </p:spPr>
+        <p:style>
+          <a:lnRef idx="2">
+            <a:schemeClr val="accent1">
+              <a:shade val="50000"/>
+            </a:schemeClr>
+          </a:lnRef>
+          <a:fillRef idx="1">
+            <a:schemeClr val="accent1"/>
+          </a:fillRef>
+          <a:effectRef idx="0">
+            <a:schemeClr val="accent1"/>
+          </a:effectRef>
+          <a:fontRef idx="minor">
+            <a:schemeClr val="lt1"/>
+          </a:fontRef>
+        </p:style>
+        <p:txBody>
+          <a:bodyPr rtlCol="0" anchor="ctr"/>
+          <a:lstStyle/>
+          <a:p>
+            <a:pPr algn="ctr"/>
+            <a:r>
+              <a:rPr lang="en-US" altLang="zh-CN" dirty="0"/>
+              <a:t>impl_1</a:t>
+            </a:r>
+            <a:endParaRPr lang="zh-CN" altLang="en-US" dirty="0"/>
+          </a:p>
+        </p:txBody>
+      </p:sp>
+      <p:sp>
+        <p:nvSpPr>
+          <p:cNvPr id="44" name="矩形 43">
+            <a:extLst>
+              <a:ext uri="{FF2B5EF4-FFF2-40B4-BE49-F238E27FC236}">
+                <a16:creationId xmlns:a16="http://schemas.microsoft.com/office/drawing/2014/main" id="{2F3A06B3-275B-41E2-869A-DF69B8359014}"/>
+              </a:ext>
+            </a:extLst>
+          </p:cNvPr>
+          <p:cNvSpPr/>
+          <p:nvPr/>
+        </p:nvSpPr>
+        <p:spPr>
+          <a:xfrm>
+            <a:off x="8216681" y="4166461"/>
+            <a:ext cx="1861089" cy="472698"/>
+          </a:xfrm>
+          <a:prstGeom prst="rect">
+            <a:avLst/>
+          </a:prstGeom>
+          <a:solidFill>
+            <a:schemeClr val="accent2">
+              <a:lumMod val="75000"/>
+            </a:schemeClr>
+          </a:solidFill>
+        </p:spPr>
+        <p:style>
+          <a:lnRef idx="2">
+            <a:schemeClr val="accent1">
+              <a:shade val="50000"/>
+            </a:schemeClr>
+          </a:lnRef>
+          <a:fillRef idx="1">
+            <a:schemeClr val="accent1"/>
+          </a:fillRef>
+          <a:effectRef idx="0">
+            <a:schemeClr val="accent1"/>
+          </a:effectRef>
+          <a:fontRef idx="minor">
+            <a:schemeClr val="lt1"/>
+          </a:fontRef>
+        </p:style>
+        <p:txBody>
+          <a:bodyPr rtlCol="0" anchor="ctr"/>
+          <a:lstStyle/>
+          <a:p>
+            <a:pPr algn="ctr"/>
+            <a:r>
+              <a:rPr lang="en-US" altLang="zh-CN" dirty="0"/>
+              <a:t>synth_2</a:t>
+            </a:r>
+            <a:endParaRPr lang="zh-CN" altLang="en-US" dirty="0"/>
+          </a:p>
+        </p:txBody>
+      </p:sp>
+      <p:sp>
+        <p:nvSpPr>
+          <p:cNvPr id="46" name="箭头: 右 45">
+            <a:extLst>
+              <a:ext uri="{FF2B5EF4-FFF2-40B4-BE49-F238E27FC236}">
+                <a16:creationId xmlns:a16="http://schemas.microsoft.com/office/drawing/2014/main" id="{8B5AC094-2A91-460C-AF2E-6183A17AEA3E}"/>
+              </a:ext>
+            </a:extLst>
+          </p:cNvPr>
+          <p:cNvSpPr/>
+          <p:nvPr/>
+        </p:nvSpPr>
+        <p:spPr>
+          <a:xfrm>
+            <a:off x="1666636" y="2733513"/>
+            <a:ext cx="441131" cy="306092"/>
+          </a:xfrm>
+          <a:prstGeom prst="rightArrow">
+            <a:avLst/>
+          </a:prstGeom>
+          <a:solidFill>
+            <a:srgbClr val="C00000"/>
+          </a:solidFill>
+        </p:spPr>
+        <p:style>
+          <a:lnRef idx="2">
+            <a:schemeClr val="accent1">
+              <a:shade val="50000"/>
+            </a:schemeClr>
+          </a:lnRef>
+          <a:fillRef idx="1">
+            <a:schemeClr val="accent1"/>
+          </a:fillRef>
+          <a:effectRef idx="0">
+            <a:schemeClr val="accent1"/>
+          </a:effectRef>
+          <a:fontRef idx="minor">
+            <a:schemeClr val="lt1"/>
+          </a:fontRef>
+        </p:style>
+        <p:txBody>
+          <a:bodyPr rtlCol="0" anchor="ctr"/>
+          <a:lstStyle/>
+          <a:p>
+            <a:pPr algn="ctr"/>
+            <a:endParaRPr lang="zh-CN" altLang="en-US"/>
+          </a:p>
+        </p:txBody>
+      </p:sp>
+      <p:sp>
+        <p:nvSpPr>
+          <p:cNvPr id="50" name="箭头: 右 49">
+            <a:extLst>
+              <a:ext uri="{FF2B5EF4-FFF2-40B4-BE49-F238E27FC236}">
+                <a16:creationId xmlns:a16="http://schemas.microsoft.com/office/drawing/2014/main" id="{319C60FE-6072-4024-8B44-D61E85FBF582}"/>
+              </a:ext>
+            </a:extLst>
+          </p:cNvPr>
+          <p:cNvSpPr/>
+          <p:nvPr/>
+        </p:nvSpPr>
+        <p:spPr>
+          <a:xfrm>
+            <a:off x="4713342" y="2731576"/>
+            <a:ext cx="441131" cy="306092"/>
+          </a:xfrm>
+          <a:prstGeom prst="rightArrow">
+            <a:avLst/>
+          </a:prstGeom>
+          <a:solidFill>
+            <a:srgbClr val="C00000"/>
+          </a:solidFill>
+        </p:spPr>
+        <p:style>
+          <a:lnRef idx="2">
+            <a:schemeClr val="accent1">
+              <a:shade val="50000"/>
+            </a:schemeClr>
+          </a:lnRef>
+          <a:fillRef idx="1">
+            <a:schemeClr val="accent1"/>
+          </a:fillRef>
+          <a:effectRef idx="0">
+            <a:schemeClr val="accent1"/>
+          </a:effectRef>
+          <a:fontRef idx="minor">
+            <a:schemeClr val="lt1"/>
+          </a:fontRef>
+        </p:style>
+        <p:txBody>
+          <a:bodyPr rtlCol="0" anchor="ctr"/>
+          <a:lstStyle/>
+          <a:p>
+            <a:pPr algn="ctr"/>
+            <a:endParaRPr lang="zh-CN" altLang="en-US"/>
+          </a:p>
+        </p:txBody>
+      </p:sp>
+      <p:sp>
+        <p:nvSpPr>
+          <p:cNvPr id="53" name="箭头: 右 52">
+            <a:extLst>
+              <a:ext uri="{FF2B5EF4-FFF2-40B4-BE49-F238E27FC236}">
+                <a16:creationId xmlns:a16="http://schemas.microsoft.com/office/drawing/2014/main" id="{EB22274B-961B-4929-96DA-1AA6C8A6BEFF}"/>
+              </a:ext>
+            </a:extLst>
+          </p:cNvPr>
+          <p:cNvSpPr/>
+          <p:nvPr/>
+        </p:nvSpPr>
+        <p:spPr>
+          <a:xfrm>
+            <a:off x="7775550" y="2731576"/>
+            <a:ext cx="441131" cy="306092"/>
+          </a:xfrm>
+          <a:prstGeom prst="rightArrow">
+            <a:avLst/>
+          </a:prstGeom>
+          <a:solidFill>
+            <a:srgbClr val="C00000"/>
+          </a:solidFill>
+        </p:spPr>
+        <p:style>
+          <a:lnRef idx="2">
+            <a:schemeClr val="accent1">
+              <a:shade val="50000"/>
+            </a:schemeClr>
+          </a:lnRef>
+          <a:fillRef idx="1">
+            <a:schemeClr val="accent1"/>
+          </a:fillRef>
+          <a:effectRef idx="0">
+            <a:schemeClr val="accent1"/>
+          </a:effectRef>
+          <a:fontRef idx="minor">
+            <a:schemeClr val="lt1"/>
+          </a:fontRef>
+        </p:style>
+        <p:txBody>
+          <a:bodyPr rtlCol="0" anchor="ctr"/>
+          <a:lstStyle/>
+          <a:p>
+            <a:pPr algn="ctr"/>
+            <a:endParaRPr lang="zh-CN" altLang="en-US"/>
+          </a:p>
+        </p:txBody>
+      </p:sp>
+      <p:sp>
+        <p:nvSpPr>
+          <p:cNvPr id="57" name="箭头: 右 56">
+            <a:extLst>
+              <a:ext uri="{FF2B5EF4-FFF2-40B4-BE49-F238E27FC236}">
+                <a16:creationId xmlns:a16="http://schemas.microsoft.com/office/drawing/2014/main" id="{B3C4F6A9-EAE4-486E-92D9-FD6DA728DD0F}"/>
+              </a:ext>
+            </a:extLst>
+          </p:cNvPr>
+          <p:cNvSpPr/>
+          <p:nvPr/>
+        </p:nvSpPr>
+        <p:spPr>
+          <a:xfrm>
+            <a:off x="2119387" y="3390254"/>
+            <a:ext cx="441131" cy="306092"/>
+          </a:xfrm>
+          <a:prstGeom prst="rightArrow">
+            <a:avLst/>
+          </a:prstGeom>
+          <a:solidFill>
+            <a:srgbClr val="C00000"/>
+          </a:solidFill>
+        </p:spPr>
+        <p:style>
+          <a:lnRef idx="2">
+            <a:schemeClr val="accent1">
+              <a:shade val="50000"/>
+            </a:schemeClr>
+          </a:lnRef>
+          <a:fillRef idx="1">
+            <a:schemeClr val="accent1"/>
+          </a:fillRef>
+          <a:effectRef idx="0">
+            <a:schemeClr val="accent1"/>
+          </a:effectRef>
+          <a:fontRef idx="minor">
+            <a:schemeClr val="lt1"/>
+          </a:fontRef>
+        </p:style>
+        <p:txBody>
+          <a:bodyPr rtlCol="0" anchor="ctr"/>
+          <a:lstStyle/>
+          <a:p>
+            <a:pPr algn="ctr"/>
+            <a:endParaRPr lang="zh-CN" altLang="en-US"/>
+          </a:p>
+        </p:txBody>
+      </p:sp>
+      <p:sp>
+        <p:nvSpPr>
+          <p:cNvPr id="59" name="箭头: 右 58">
+            <a:extLst>
+              <a:ext uri="{FF2B5EF4-FFF2-40B4-BE49-F238E27FC236}">
+                <a16:creationId xmlns:a16="http://schemas.microsoft.com/office/drawing/2014/main" id="{9CAD8622-9F47-4258-A4C0-563715AC82D2}"/>
+              </a:ext>
+            </a:extLst>
+          </p:cNvPr>
+          <p:cNvSpPr/>
+          <p:nvPr/>
+        </p:nvSpPr>
+        <p:spPr>
+          <a:xfrm>
+            <a:off x="2119387" y="4040536"/>
+            <a:ext cx="441131" cy="306092"/>
+          </a:xfrm>
+          <a:prstGeom prst="rightArrow">
+            <a:avLst/>
+          </a:prstGeom>
+          <a:solidFill>
+            <a:srgbClr val="C00000"/>
+          </a:solidFill>
+        </p:spPr>
+        <p:style>
+          <a:lnRef idx="2">
+            <a:schemeClr val="accent1">
+              <a:shade val="50000"/>
+            </a:schemeClr>
+          </a:lnRef>
+          <a:fillRef idx="1">
+            <a:schemeClr val="accent1"/>
+          </a:fillRef>
+          <a:effectRef idx="0">
+            <a:schemeClr val="accent1"/>
+          </a:effectRef>
+          <a:fontRef idx="minor">
+            <a:schemeClr val="lt1"/>
+          </a:fontRef>
+        </p:style>
+        <p:txBody>
+          <a:bodyPr rtlCol="0" anchor="ctr"/>
+          <a:lstStyle/>
+          <a:p>
+            <a:pPr algn="ctr"/>
+            <a:endParaRPr lang="zh-CN" altLang="en-US"/>
+          </a:p>
+        </p:txBody>
+      </p:sp>
+      <p:sp>
+        <p:nvSpPr>
+          <p:cNvPr id="61" name="箭头: 右 60">
+            <a:extLst>
+              <a:ext uri="{FF2B5EF4-FFF2-40B4-BE49-F238E27FC236}">
+                <a16:creationId xmlns:a16="http://schemas.microsoft.com/office/drawing/2014/main" id="{FF6F22A6-F165-4EBB-9293-75B7C08B8779}"/>
+              </a:ext>
+            </a:extLst>
+          </p:cNvPr>
+          <p:cNvSpPr/>
+          <p:nvPr/>
+        </p:nvSpPr>
+        <p:spPr>
+          <a:xfrm>
+            <a:off x="2107767" y="4699861"/>
+            <a:ext cx="441131" cy="306092"/>
+          </a:xfrm>
+          <a:prstGeom prst="rightArrow">
+            <a:avLst/>
+          </a:prstGeom>
+          <a:solidFill>
+            <a:srgbClr val="C00000"/>
+          </a:solidFill>
+        </p:spPr>
+        <p:style>
+          <a:lnRef idx="2">
+            <a:schemeClr val="accent1">
+              <a:shade val="50000"/>
+            </a:schemeClr>
+          </a:lnRef>
+          <a:fillRef idx="1">
+            <a:schemeClr val="accent1"/>
+          </a:fillRef>
+          <a:effectRef idx="0">
+            <a:schemeClr val="accent1"/>
+          </a:effectRef>
+          <a:fontRef idx="minor">
+            <a:schemeClr val="lt1"/>
+          </a:fontRef>
+        </p:style>
+        <p:txBody>
+          <a:bodyPr rtlCol="0" anchor="ctr"/>
+          <a:lstStyle/>
+          <a:p>
+            <a:pPr algn="ctr"/>
+            <a:endParaRPr lang="zh-CN" altLang="en-US"/>
+          </a:p>
+        </p:txBody>
+      </p:sp>
+      <p:sp>
+        <p:nvSpPr>
+          <p:cNvPr id="65" name="箭头: 右 64">
+            <a:extLst>
+              <a:ext uri="{FF2B5EF4-FFF2-40B4-BE49-F238E27FC236}">
+                <a16:creationId xmlns:a16="http://schemas.microsoft.com/office/drawing/2014/main" id="{B6E47A40-DA68-41F1-B7A4-13CA20A007EF}"/>
+              </a:ext>
+            </a:extLst>
+          </p:cNvPr>
+          <p:cNvSpPr/>
+          <p:nvPr/>
+        </p:nvSpPr>
+        <p:spPr>
+          <a:xfrm>
+            <a:off x="4713341" y="4249764"/>
+            <a:ext cx="441131" cy="306092"/>
+          </a:xfrm>
+          <a:prstGeom prst="rightArrow">
+            <a:avLst/>
+          </a:prstGeom>
+          <a:solidFill>
+            <a:srgbClr val="C00000"/>
+          </a:solidFill>
+        </p:spPr>
+        <p:style>
+          <a:lnRef idx="2">
+            <a:schemeClr val="accent1">
+              <a:shade val="50000"/>
+            </a:schemeClr>
+          </a:lnRef>
+          <a:fillRef idx="1">
+            <a:schemeClr val="accent1"/>
+          </a:fillRef>
+          <a:effectRef idx="0">
+            <a:schemeClr val="accent1"/>
+          </a:effectRef>
+          <a:fontRef idx="minor">
+            <a:schemeClr val="lt1"/>
+          </a:fontRef>
+        </p:style>
+        <p:txBody>
+          <a:bodyPr rtlCol="0" anchor="ctr"/>
+          <a:lstStyle/>
+          <a:p>
+            <a:pPr algn="ctr"/>
+            <a:endParaRPr lang="zh-CN" altLang="en-US"/>
+          </a:p>
+        </p:txBody>
+      </p:sp>
+      <p:sp>
+        <p:nvSpPr>
+          <p:cNvPr id="71" name="箭头: 右 70">
+            <a:extLst>
+              <a:ext uri="{FF2B5EF4-FFF2-40B4-BE49-F238E27FC236}">
+                <a16:creationId xmlns:a16="http://schemas.microsoft.com/office/drawing/2014/main" id="{725C97A4-1C40-4295-804C-91D1C9BFF629}"/>
+              </a:ext>
+            </a:extLst>
+          </p:cNvPr>
+          <p:cNvSpPr/>
+          <p:nvPr/>
+        </p:nvSpPr>
+        <p:spPr>
+          <a:xfrm>
+            <a:off x="7775545" y="4234589"/>
+            <a:ext cx="441131" cy="306092"/>
+          </a:xfrm>
+          <a:prstGeom prst="rightArrow">
+            <a:avLst/>
+          </a:prstGeom>
+          <a:solidFill>
+            <a:srgbClr val="C00000"/>
+          </a:solidFill>
+        </p:spPr>
+        <p:style>
+          <a:lnRef idx="2">
+            <a:schemeClr val="accent1">
+              <a:shade val="50000"/>
+            </a:schemeClr>
+          </a:lnRef>
+          <a:fillRef idx="1">
+            <a:schemeClr val="accent1"/>
+          </a:fillRef>
+          <a:effectRef idx="0">
+            <a:schemeClr val="accent1"/>
+          </a:effectRef>
+          <a:fontRef idx="minor">
+            <a:schemeClr val="lt1"/>
+          </a:fontRef>
+        </p:style>
+        <p:txBody>
+          <a:bodyPr rtlCol="0" anchor="ctr"/>
+          <a:lstStyle/>
+          <a:p>
+            <a:pPr algn="ctr"/>
+            <a:endParaRPr lang="zh-CN" altLang="en-US"/>
+          </a:p>
+        </p:txBody>
+      </p:sp>
+      <p:sp>
+        <p:nvSpPr>
+          <p:cNvPr id="72" name="箭头: 直角上 71">
+            <a:extLst>
+              <a:ext uri="{FF2B5EF4-FFF2-40B4-BE49-F238E27FC236}">
+                <a16:creationId xmlns:a16="http://schemas.microsoft.com/office/drawing/2014/main" id="{D511BB58-34C2-43AB-A78D-8D1EEBD95601}"/>
+              </a:ext>
+            </a:extLst>
+          </p:cNvPr>
+          <p:cNvSpPr/>
+          <p:nvPr/>
+        </p:nvSpPr>
+        <p:spPr>
+          <a:xfrm rot="5400000">
+            <a:off x="1041481" y="4184335"/>
+            <a:ext cx="2573702" cy="441131"/>
+          </a:xfrm>
+          <a:prstGeom prst="bentUpArrow">
+            <a:avLst>
+              <a:gd name="adj1" fmla="val 25000"/>
+              <a:gd name="adj2" fmla="val 43445"/>
+              <a:gd name="adj3" fmla="val 32905"/>
+            </a:avLst>
+          </a:prstGeom>
+          <a:solidFill>
+            <a:srgbClr val="C00000"/>
+          </a:solidFill>
+        </p:spPr>
+        <p:style>
+          <a:lnRef idx="2">
+            <a:schemeClr val="accent1">
+              <a:shade val="50000"/>
+            </a:schemeClr>
+          </a:lnRef>
+          <a:fillRef idx="1">
+            <a:schemeClr val="accent1"/>
+          </a:fillRef>
+          <a:effectRef idx="0">
+            <a:schemeClr val="accent1"/>
+          </a:effectRef>
+          <a:fontRef idx="minor">
+            <a:schemeClr val="lt1"/>
+          </a:fontRef>
+        </p:style>
+        <p:txBody>
+          <a:bodyPr rtlCol="0" anchor="ctr"/>
+          <a:lstStyle/>
+          <a:p>
+            <a:pPr algn="ctr"/>
+            <a:endParaRPr lang="zh-CN" altLang="en-US"/>
+          </a:p>
+        </p:txBody>
+      </p:sp>
+      <p:sp>
+        <p:nvSpPr>
+          <p:cNvPr id="74" name="箭头: 直角上 73">
+            <a:extLst>
+              <a:ext uri="{FF2B5EF4-FFF2-40B4-BE49-F238E27FC236}">
+                <a16:creationId xmlns:a16="http://schemas.microsoft.com/office/drawing/2014/main" id="{D37BFC09-4E71-48B8-A43D-48F8AA0E2B78}"/>
+              </a:ext>
+            </a:extLst>
+          </p:cNvPr>
+          <p:cNvSpPr/>
+          <p:nvPr/>
+        </p:nvSpPr>
+        <p:spPr>
+          <a:xfrm rot="5400000">
+            <a:off x="5091623" y="3206007"/>
+            <a:ext cx="617043" cy="441131"/>
+          </a:xfrm>
+          <a:prstGeom prst="bentUpArrow">
+            <a:avLst>
+              <a:gd name="adj1" fmla="val 25000"/>
+              <a:gd name="adj2" fmla="val 43445"/>
+              <a:gd name="adj3" fmla="val 32905"/>
+            </a:avLst>
+          </a:prstGeom>
+          <a:solidFill>
+            <a:srgbClr val="C00000"/>
+          </a:solidFill>
+        </p:spPr>
+        <p:style>
+          <a:lnRef idx="2">
+            <a:schemeClr val="accent1">
+              <a:shade val="50000"/>
+            </a:schemeClr>
+          </a:lnRef>
+          <a:fillRef idx="1">
+            <a:schemeClr val="accent1"/>
+          </a:fillRef>
+          <a:effectRef idx="0">
+            <a:schemeClr val="accent1"/>
+          </a:effectRef>
+          <a:fontRef idx="minor">
+            <a:schemeClr val="lt1"/>
+          </a:fontRef>
+        </p:style>
+        <p:txBody>
+          <a:bodyPr rtlCol="0" anchor="ctr"/>
+          <a:lstStyle/>
+          <a:p>
+            <a:pPr algn="ctr"/>
+            <a:endParaRPr lang="zh-CN" altLang="en-US"/>
+          </a:p>
+        </p:txBody>
+      </p:sp>
+      <p:sp>
+        <p:nvSpPr>
+          <p:cNvPr id="76" name="箭头: 直角上 75">
+            <a:extLst>
+              <a:ext uri="{FF2B5EF4-FFF2-40B4-BE49-F238E27FC236}">
+                <a16:creationId xmlns:a16="http://schemas.microsoft.com/office/drawing/2014/main" id="{944C4EB4-D5B3-4F17-9780-10383CC5C90C}"/>
+              </a:ext>
+            </a:extLst>
+          </p:cNvPr>
+          <p:cNvSpPr/>
+          <p:nvPr/>
+        </p:nvSpPr>
+        <p:spPr>
+          <a:xfrm rot="5400000">
+            <a:off x="5082948" y="4727115"/>
+            <a:ext cx="617043" cy="441131"/>
+          </a:xfrm>
+          <a:prstGeom prst="bentUpArrow">
+            <a:avLst>
+              <a:gd name="adj1" fmla="val 25000"/>
+              <a:gd name="adj2" fmla="val 43445"/>
+              <a:gd name="adj3" fmla="val 32905"/>
+            </a:avLst>
+          </a:prstGeom>
+          <a:solidFill>
+            <a:srgbClr val="C00000"/>
+          </a:solidFill>
+        </p:spPr>
+        <p:style>
+          <a:lnRef idx="2">
+            <a:schemeClr val="accent1">
+              <a:shade val="50000"/>
+            </a:schemeClr>
+          </a:lnRef>
+          <a:fillRef idx="1">
+            <a:schemeClr val="accent1"/>
+          </a:fillRef>
+          <a:effectRef idx="0">
+            <a:schemeClr val="accent1"/>
+          </a:effectRef>
+          <a:fontRef idx="minor">
+            <a:schemeClr val="lt1"/>
+          </a:fontRef>
+        </p:style>
+        <p:txBody>
+          <a:bodyPr rtlCol="0" anchor="ctr"/>
+          <a:lstStyle/>
+          <a:p>
+            <a:pPr algn="ctr"/>
+            <a:endParaRPr lang="zh-CN" altLang="en-US"/>
+          </a:p>
+        </p:txBody>
+      </p:sp>
+      <p:sp>
+        <p:nvSpPr>
+          <p:cNvPr id="78" name="箭头: 直角上 77">
+            <a:extLst>
+              <a:ext uri="{FF2B5EF4-FFF2-40B4-BE49-F238E27FC236}">
+                <a16:creationId xmlns:a16="http://schemas.microsoft.com/office/drawing/2014/main" id="{1352B388-D373-4215-991A-B21221C7AB83}"/>
+              </a:ext>
+            </a:extLst>
+          </p:cNvPr>
+          <p:cNvSpPr/>
+          <p:nvPr/>
+        </p:nvSpPr>
+        <p:spPr>
+          <a:xfrm rot="5400000">
+            <a:off x="8145071" y="3217634"/>
+            <a:ext cx="617043" cy="441131"/>
+          </a:xfrm>
+          <a:prstGeom prst="bentUpArrow">
+            <a:avLst>
+              <a:gd name="adj1" fmla="val 25000"/>
+              <a:gd name="adj2" fmla="val 43445"/>
+              <a:gd name="adj3" fmla="val 32905"/>
+            </a:avLst>
+          </a:prstGeom>
+          <a:solidFill>
+            <a:srgbClr val="C00000"/>
+          </a:solidFill>
+        </p:spPr>
+        <p:style>
+          <a:lnRef idx="2">
+            <a:schemeClr val="accent1">
+              <a:shade val="50000"/>
+            </a:schemeClr>
+          </a:lnRef>
+          <a:fillRef idx="1">
+            <a:schemeClr val="accent1"/>
+          </a:fillRef>
+          <a:effectRef idx="0">
+            <a:schemeClr val="accent1"/>
+          </a:effectRef>
+          <a:fontRef idx="minor">
+            <a:schemeClr val="lt1"/>
+          </a:fontRef>
+        </p:style>
+        <p:txBody>
+          <a:bodyPr rtlCol="0" anchor="ctr"/>
+          <a:lstStyle/>
+          <a:p>
+            <a:pPr algn="ctr"/>
+            <a:endParaRPr lang="zh-CN" altLang="en-US"/>
+          </a:p>
+        </p:txBody>
+      </p:sp>
+      <p:sp>
+        <p:nvSpPr>
+          <p:cNvPr id="80" name="矩形: 圆角 79">
+            <a:extLst>
+              <a:ext uri="{FF2B5EF4-FFF2-40B4-BE49-F238E27FC236}">
+                <a16:creationId xmlns:a16="http://schemas.microsoft.com/office/drawing/2014/main" id="{0F8627EE-4C3D-40E2-ABD8-13B52B54A938}"/>
+              </a:ext>
+            </a:extLst>
+          </p:cNvPr>
+          <p:cNvSpPr/>
+          <p:nvPr/>
+        </p:nvSpPr>
+        <p:spPr>
+          <a:xfrm>
+            <a:off x="3914970" y="997364"/>
+            <a:ext cx="3394130" cy="604434"/>
+          </a:xfrm>
+          <a:prstGeom prst="roundRect">
+            <a:avLst/>
+          </a:prstGeom>
+          <a:solidFill>
+            <a:schemeClr val="accent1"/>
+          </a:solidFill>
+        </p:spPr>
+        <p:style>
+          <a:lnRef idx="2">
+            <a:schemeClr val="accent1">
+              <a:shade val="50000"/>
+            </a:schemeClr>
+          </a:lnRef>
+          <a:fillRef idx="1">
+            <a:schemeClr val="accent1"/>
+          </a:fillRef>
+          <a:effectRef idx="0">
+            <a:schemeClr val="accent1"/>
+          </a:effectRef>
+          <a:fontRef idx="minor">
+            <a:schemeClr val="lt1"/>
+          </a:fontRef>
+        </p:style>
+        <p:txBody>
+          <a:bodyPr rtlCol="0" anchor="ctr"/>
+          <a:lstStyle/>
+          <a:p>
+            <a:pPr algn="ctr"/>
+            <a:r>
+              <a:rPr lang="en-US" altLang="zh-CN" dirty="0"/>
+              <a:t>Design Run</a:t>
+            </a:r>
+            <a:endParaRPr lang="zh-CN" altLang="en-US" dirty="0"/>
+          </a:p>
+        </p:txBody>
+      </p:sp>
+      <p:cxnSp>
+        <p:nvCxnSpPr>
+          <p:cNvPr id="82" name="直接箭头连接符 81">
+            <a:extLst>
+              <a:ext uri="{FF2B5EF4-FFF2-40B4-BE49-F238E27FC236}">
+                <a16:creationId xmlns:a16="http://schemas.microsoft.com/office/drawing/2014/main" id="{EB97FD8F-AA1C-4880-8CC8-6DBA7CCB289C}"/>
+              </a:ext>
+            </a:extLst>
+          </p:cNvPr>
+          <p:cNvCxnSpPr>
+            <a:cxnSpLocks/>
+            <a:stCxn id="80" idx="2"/>
+            <a:endCxn id="3" idx="0"/>
+          </p:cNvCxnSpPr>
+          <p:nvPr/>
+        </p:nvCxnSpPr>
+        <p:spPr>
+          <a:xfrm flipH="1">
+            <a:off x="3038312" y="1601798"/>
+            <a:ext cx="2573723" cy="1048412"/>
+          </a:xfrm>
+          <a:prstGeom prst="straightConnector1">
+            <a:avLst/>
+          </a:prstGeom>
+          <a:ln>
+            <a:tailEnd type="triangle"/>
+          </a:ln>
+        </p:spPr>
+        <p:style>
+          <a:lnRef idx="3">
+            <a:schemeClr val="dk1"/>
+          </a:lnRef>
+          <a:fillRef idx="0">
+            <a:schemeClr val="dk1"/>
+          </a:fillRef>
+          <a:effectRef idx="2">
+            <a:schemeClr val="dk1"/>
+          </a:effectRef>
+          <a:fontRef idx="minor">
+            <a:schemeClr val="tx1"/>
+          </a:fontRef>
+        </p:style>
+      </p:cxnSp>
+      <p:cxnSp>
+        <p:nvCxnSpPr>
+          <p:cNvPr id="87" name="直接箭头连接符 86">
+            <a:extLst>
+              <a:ext uri="{FF2B5EF4-FFF2-40B4-BE49-F238E27FC236}">
+                <a16:creationId xmlns:a16="http://schemas.microsoft.com/office/drawing/2014/main" id="{B4F730A9-9562-4EF2-BBFB-0596D778A000}"/>
+              </a:ext>
+            </a:extLst>
+          </p:cNvPr>
+          <p:cNvCxnSpPr>
+            <a:cxnSpLocks/>
+            <a:stCxn id="80" idx="2"/>
+            <a:endCxn id="11" idx="0"/>
+          </p:cNvCxnSpPr>
+          <p:nvPr/>
+        </p:nvCxnSpPr>
+        <p:spPr>
+          <a:xfrm>
+            <a:off x="5612035" y="1601798"/>
+            <a:ext cx="480734" cy="1048412"/>
+          </a:xfrm>
+          <a:prstGeom prst="straightConnector1">
+            <a:avLst/>
+          </a:prstGeom>
+          <a:ln>
+            <a:tailEnd type="triangle"/>
+          </a:ln>
+        </p:spPr>
+        <p:style>
+          <a:lnRef idx="3">
+            <a:schemeClr val="dk1"/>
+          </a:lnRef>
+          <a:fillRef idx="0">
+            <a:schemeClr val="dk1"/>
+          </a:fillRef>
+          <a:effectRef idx="2">
+            <a:schemeClr val="dk1"/>
+          </a:effectRef>
+          <a:fontRef idx="minor">
+            <a:schemeClr val="tx1"/>
+          </a:fontRef>
+        </p:style>
+      </p:cxnSp>
+      <p:cxnSp>
+        <p:nvCxnSpPr>
+          <p:cNvPr id="90" name="直接箭头连接符 89">
+            <a:extLst>
+              <a:ext uri="{FF2B5EF4-FFF2-40B4-BE49-F238E27FC236}">
+                <a16:creationId xmlns:a16="http://schemas.microsoft.com/office/drawing/2014/main" id="{9B101B16-1DB6-4750-A210-45DAA98C772F}"/>
+              </a:ext>
+            </a:extLst>
+          </p:cNvPr>
+          <p:cNvCxnSpPr>
+            <a:cxnSpLocks/>
+            <a:stCxn id="80" idx="2"/>
+            <a:endCxn id="24" idx="0"/>
+          </p:cNvCxnSpPr>
+          <p:nvPr/>
+        </p:nvCxnSpPr>
+        <p:spPr>
+          <a:xfrm>
+            <a:off x="5612035" y="1601798"/>
+            <a:ext cx="3535191" cy="1048412"/>
+          </a:xfrm>
+          <a:prstGeom prst="straightConnector1">
+            <a:avLst/>
+          </a:prstGeom>
+          <a:ln>
+            <a:tailEnd type="triangle"/>
+          </a:ln>
+        </p:spPr>
+        <p:style>
+          <a:lnRef idx="3">
+            <a:schemeClr val="dk1"/>
+          </a:lnRef>
+          <a:fillRef idx="0">
+            <a:schemeClr val="dk1"/>
+          </a:fillRef>
+          <a:effectRef idx="2">
+            <a:schemeClr val="dk1"/>
+          </a:effectRef>
+          <a:fontRef idx="minor">
+            <a:schemeClr val="tx1"/>
+          </a:fontRef>
+        </p:style>
+      </p:cxnSp>
+    </p:spTree>
+    <p:extLst>
+      <p:ext uri="{BB962C8B-B14F-4D97-AF65-F5344CB8AC3E}">
+        <p14:creationId xmlns:p14="http://schemas.microsoft.com/office/powerpoint/2010/main" val="2534019265"/>
       </p:ext>
     </p:extLst>
   </p:cSld>
